--- a/ppt/数据挖掘平台设计-0.1.pptx
+++ b/ppt/数据挖掘平台设计-0.1.pptx
@@ -9,25 +9,24 @@
     <p:sldMasterId id="2147484106" r:id="rId5"/>
   </p:sldMasterIdLst>
   <p:notesMasterIdLst>
-    <p:notesMasterId r:id="rId19"/>
+    <p:notesMasterId r:id="rId18"/>
   </p:notesMasterIdLst>
   <p:handoutMasterIdLst>
-    <p:handoutMasterId r:id="rId20"/>
+    <p:handoutMasterId r:id="rId19"/>
   </p:handoutMasterIdLst>
   <p:sldIdLst>
-    <p:sldId id="262" r:id="rId6"/>
-    <p:sldId id="263" r:id="rId7"/>
-    <p:sldId id="264" r:id="rId8"/>
-    <p:sldId id="265" r:id="rId9"/>
-    <p:sldId id="271" r:id="rId10"/>
-    <p:sldId id="266" r:id="rId11"/>
-    <p:sldId id="268" r:id="rId12"/>
-    <p:sldId id="269" r:id="rId13"/>
-    <p:sldId id="273" r:id="rId14"/>
-    <p:sldId id="274" r:id="rId15"/>
-    <p:sldId id="275" r:id="rId16"/>
-    <p:sldId id="270" r:id="rId17"/>
-    <p:sldId id="267" r:id="rId18"/>
+    <p:sldId id="263" r:id="rId6"/>
+    <p:sldId id="264" r:id="rId7"/>
+    <p:sldId id="265" r:id="rId8"/>
+    <p:sldId id="271" r:id="rId9"/>
+    <p:sldId id="266" r:id="rId10"/>
+    <p:sldId id="268" r:id="rId11"/>
+    <p:sldId id="269" r:id="rId12"/>
+    <p:sldId id="273" r:id="rId13"/>
+    <p:sldId id="274" r:id="rId14"/>
+    <p:sldId id="275" r:id="rId15"/>
+    <p:sldId id="270" r:id="rId16"/>
+    <p:sldId id="267" r:id="rId17"/>
   </p:sldIdLst>
   <p:sldSz cx="9144000" cy="6858000" type="screen4x3"/>
   <p:notesSz cx="6797675" cy="9926638"/>
@@ -158,7 +157,7 @@
   </p:defaultTextStyle>
   <p:extLst>
     <p:ext uri="{EFAFB233-063F-42B5-8137-9DF3F51BA10A}">
-      <p15:sldGuideLst xmlns:p15="http://schemas.microsoft.com/office/powerpoint/2012/main" xmlns="">
+      <p15:sldGuideLst xmlns="" xmlns:p15="http://schemas.microsoft.com/office/powerpoint/2012/main">
         <p15:guide id="1" orient="horz" pos="437">
           <p15:clr>
             <a:srgbClr val="A4A3A4"/>
@@ -182,7 +181,7 @@
       </p15:sldGuideLst>
     </p:ext>
     <p:ext uri="{2D200454-40CA-4A62-9FC3-DE9A4176ACB9}">
-      <p15:notesGuideLst xmlns:p15="http://schemas.microsoft.com/office/powerpoint/2012/main" xmlns="">
+      <p15:notesGuideLst xmlns="" xmlns:p15="http://schemas.microsoft.com/office/powerpoint/2012/main">
         <p15:guide id="1" orient="horz" pos="3127">
           <p15:clr>
             <a:srgbClr val="A4A3A4"/>
@@ -1067,10 +1066,11 @@
           <a:bodyPr/>
           <a:lstStyle/>
           <a:p>
-            <a:pPr eaLnBrk="1" hangingPunct="1"/>
-            <a:endParaRPr lang="zh-CN" altLang="zh-CN" dirty="0" smtClean="0">
-              <a:ea typeface="宋体" pitchFamily="2" charset="-122"/>
-            </a:endParaRPr>
+            <a:r>
+              <a:rPr lang="zh-CN" altLang="en-US" dirty="0" smtClean="0"/>
+              <a:t>事实表用一句话来描述就是业务表。</a:t>
+            </a:r>
+            <a:endParaRPr lang="zh-CN" altLang="en-US" dirty="0"/>
           </a:p>
         </p:txBody>
       </p:sp>
@@ -1092,7 +1092,7 @@
             <a:fld id="{E3D1208B-ABB5-48F0-93EC-79B837E3F925}" type="slidenum">
               <a:rPr lang="zh-CN" altLang="en-US" smtClean="0"/>
               <a:pPr/>
-              <a:t>1</a:t>
+              <a:t>4</a:t>
             </a:fld>
             <a:endParaRPr lang="en-US" altLang="zh-CN" dirty="0"/>
           </a:p>
@@ -1101,7 +1101,7 @@
     </p:spTree>
     <p:extLst>
       <p:ext uri="{BB962C8B-B14F-4D97-AF65-F5344CB8AC3E}">
-        <p14:creationId xmlns:p14="http://schemas.microsoft.com/office/powerpoint/2010/main" val="3822600569"/>
+        <p14:creationId xmlns:p14="http://schemas.microsoft.com/office/powerpoint/2010/main" val="4226502714"/>
       </p:ext>
     </p:extLst>
   </p:cSld>
@@ -1156,8 +1156,122 @@
           <a:lstStyle/>
           <a:p>
             <a:r>
-              <a:rPr lang="zh-CN" altLang="en-US" dirty="0" smtClean="0"/>
-              <a:t>事实表用一句话来描述就是业务表。</a:t>
+              <a:rPr lang="zh-CN" altLang="en-US" sz="1200" b="0" i="0" kern="1200" dirty="0" smtClean="0">
+                <a:solidFill>
+                  <a:schemeClr val="tx1"/>
+                </a:solidFill>
+                <a:effectLst/>
+                <a:latin typeface="Calibri" pitchFamily="34" charset="0"/>
+                <a:ea typeface="宋体" pitchFamily="2" charset="-122"/>
+                <a:cs typeface="+mn-cs"/>
+              </a:rPr>
+              <a:t>本页内容主要从数据的集中和分散角度来看使用场景</a:t>
+            </a:r>
+            <a:endParaRPr lang="en-US" altLang="zh-CN" sz="1200" b="0" i="0" kern="1200" dirty="0" smtClean="0">
+              <a:solidFill>
+                <a:schemeClr val="tx1"/>
+              </a:solidFill>
+              <a:effectLst/>
+              <a:latin typeface="Calibri" pitchFamily="34" charset="0"/>
+              <a:ea typeface="宋体" pitchFamily="2" charset="-122"/>
+              <a:cs typeface="+mn-cs"/>
+            </a:endParaRPr>
+          </a:p>
+          <a:p>
+            <a:endParaRPr lang="en-US" altLang="zh-CN" sz="1200" b="0" i="0" kern="1200" dirty="0" smtClean="0">
+              <a:solidFill>
+                <a:schemeClr val="tx1"/>
+              </a:solidFill>
+              <a:effectLst/>
+              <a:latin typeface="Calibri" pitchFamily="34" charset="0"/>
+              <a:ea typeface="宋体" pitchFamily="2" charset="-122"/>
+              <a:cs typeface="+mn-cs"/>
+            </a:endParaRPr>
+          </a:p>
+          <a:p>
+            <a:r>
+              <a:rPr lang="zh-CN" altLang="en-US" sz="1200" b="0" i="0" kern="1200" dirty="0" smtClean="0">
+                <a:solidFill>
+                  <a:schemeClr val="tx1"/>
+                </a:solidFill>
+                <a:effectLst/>
+                <a:latin typeface="Calibri" pitchFamily="34" charset="0"/>
+                <a:ea typeface="宋体" pitchFamily="2" charset="-122"/>
+                <a:cs typeface="+mn-cs"/>
+              </a:rPr>
+              <a:t>想了解各种不同的</a:t>
+            </a:r>
+            <a:r>
+              <a:rPr lang="en-US" altLang="zh-CN" sz="1200" b="0" i="0" kern="1200" dirty="0" smtClean="0">
+                <a:solidFill>
+                  <a:schemeClr val="tx1"/>
+                </a:solidFill>
+                <a:effectLst/>
+                <a:latin typeface="Calibri" pitchFamily="34" charset="0"/>
+                <a:ea typeface="宋体" pitchFamily="2" charset="-122"/>
+                <a:cs typeface="+mn-cs"/>
+              </a:rPr>
+              <a:t>NoSQL</a:t>
+            </a:r>
+            <a:r>
+              <a:rPr lang="zh-CN" altLang="en-US" sz="1200" b="0" i="0" kern="1200" dirty="0" smtClean="0">
+                <a:solidFill>
+                  <a:schemeClr val="tx1"/>
+                </a:solidFill>
+                <a:effectLst/>
+                <a:latin typeface="Calibri" pitchFamily="34" charset="0"/>
+                <a:ea typeface="宋体" pitchFamily="2" charset="-122"/>
+                <a:cs typeface="+mn-cs"/>
+              </a:rPr>
+              <a:t>，推荐看</a:t>
+            </a:r>
+            <a:r>
+              <a:rPr lang="en-US" altLang="zh-CN" sz="1200" b="0" i="0" kern="1200" dirty="0" smtClean="0">
+                <a:solidFill>
+                  <a:schemeClr val="tx1"/>
+                </a:solidFill>
+                <a:effectLst/>
+                <a:latin typeface="Calibri" pitchFamily="34" charset="0"/>
+                <a:ea typeface="宋体" pitchFamily="2" charset="-122"/>
+                <a:cs typeface="+mn-cs"/>
+              </a:rPr>
+              <a:t>Martin</a:t>
+            </a:r>
+            <a:r>
+              <a:rPr lang="zh-CN" altLang="en-US" sz="1200" b="0" i="0" kern="1200" dirty="0" smtClean="0">
+                <a:solidFill>
+                  <a:schemeClr val="tx1"/>
+                </a:solidFill>
+                <a:effectLst/>
+                <a:latin typeface="Calibri" pitchFamily="34" charset="0"/>
+                <a:ea typeface="宋体" pitchFamily="2" charset="-122"/>
+                <a:cs typeface="+mn-cs"/>
+              </a:rPr>
+              <a:t>的</a:t>
+            </a:r>
+            <a:r>
+              <a:rPr lang="en-US" altLang="zh-CN" sz="1200" b="0" i="0" kern="1200" dirty="0" smtClean="0">
+                <a:solidFill>
+                  <a:schemeClr val="tx1"/>
+                </a:solidFill>
+                <a:effectLst/>
+                <a:latin typeface="Calibri" pitchFamily="34" charset="0"/>
+                <a:ea typeface="宋体" pitchFamily="2" charset="-122"/>
+                <a:cs typeface="+mn-cs"/>
+              </a:rPr>
+              <a:t>NoSQL Distilled</a:t>
+            </a:r>
+            <a:r>
+              <a:rPr lang="zh-CN" altLang="en-US" sz="1200" b="0" i="0" kern="1200" dirty="0" smtClean="0">
+                <a:solidFill>
+                  <a:schemeClr val="tx1"/>
+                </a:solidFill>
+                <a:effectLst/>
+                <a:latin typeface="Calibri" pitchFamily="34" charset="0"/>
+                <a:ea typeface="宋体" pitchFamily="2" charset="-122"/>
+                <a:cs typeface="+mn-cs"/>
+              </a:rPr>
+              <a:t>这本书</a:t>
             </a:r>
             <a:endParaRPr lang="zh-CN" altLang="en-US" dirty="0"/>
           </a:p>
@@ -1181,7 +1295,7 @@
             <a:fld id="{E3D1208B-ABB5-48F0-93EC-79B837E3F925}" type="slidenum">
               <a:rPr lang="zh-CN" altLang="en-US" smtClean="0"/>
               <a:pPr/>
-              <a:t>5</a:t>
+              <a:t>6</a:t>
             </a:fld>
             <a:endParaRPr lang="en-US" altLang="zh-CN" dirty="0"/>
           </a:p>
@@ -1190,7 +1304,7 @@
     </p:spTree>
     <p:extLst>
       <p:ext uri="{BB962C8B-B14F-4D97-AF65-F5344CB8AC3E}">
-        <p14:creationId xmlns:p14="http://schemas.microsoft.com/office/powerpoint/2010/main" val="4226502714"/>
+        <p14:creationId xmlns:p14="http://schemas.microsoft.com/office/powerpoint/2010/main" val="2972794813"/>
       </p:ext>
     </p:extLst>
   </p:cSld>
@@ -1244,125 +1358,106 @@
           <a:bodyPr/>
           <a:lstStyle/>
           <a:p>
-            <a:r>
-              <a:rPr lang="zh-CN" altLang="en-US" sz="1200" b="0" i="0" kern="1200" dirty="0" smtClean="0">
-                <a:solidFill>
-                  <a:schemeClr val="tx1"/>
-                </a:solidFill>
-                <a:effectLst/>
-                <a:latin typeface="Calibri" pitchFamily="34" charset="0"/>
-                <a:ea typeface="宋体" pitchFamily="2" charset="-122"/>
-                <a:cs typeface="+mn-cs"/>
-              </a:rPr>
-              <a:t>本页内容主要从数据的集中和分散角度来看使用场景</a:t>
-            </a:r>
-            <a:endParaRPr lang="en-US" altLang="zh-CN" sz="1200" b="0" i="0" kern="1200" dirty="0" smtClean="0">
-              <a:solidFill>
-                <a:schemeClr val="tx1"/>
-              </a:solidFill>
-              <a:effectLst/>
-              <a:latin typeface="Calibri" pitchFamily="34" charset="0"/>
-              <a:ea typeface="宋体" pitchFamily="2" charset="-122"/>
-              <a:cs typeface="+mn-cs"/>
-            </a:endParaRPr>
-          </a:p>
-          <a:p>
-            <a:endParaRPr lang="en-US" altLang="zh-CN" sz="1200" b="0" i="0" kern="1200" dirty="0" smtClean="0">
-              <a:solidFill>
-                <a:schemeClr val="tx1"/>
-              </a:solidFill>
-              <a:effectLst/>
-              <a:latin typeface="Calibri" pitchFamily="34" charset="0"/>
-              <a:ea typeface="宋体" pitchFamily="2" charset="-122"/>
-              <a:cs typeface="+mn-cs"/>
-            </a:endParaRPr>
-          </a:p>
-          <a:p>
-            <a:r>
-              <a:rPr lang="zh-CN" altLang="en-US" sz="1200" b="0" i="0" kern="1200" dirty="0" smtClean="0">
-                <a:solidFill>
-                  <a:schemeClr val="tx1"/>
-                </a:solidFill>
-                <a:effectLst/>
-                <a:latin typeface="Calibri" pitchFamily="34" charset="0"/>
-                <a:ea typeface="宋体" pitchFamily="2" charset="-122"/>
-                <a:cs typeface="+mn-cs"/>
-              </a:rPr>
-              <a:t>想了解各种不同的</a:t>
-            </a:r>
-            <a:r>
-              <a:rPr lang="en-US" altLang="zh-CN" sz="1200" b="0" i="0" kern="1200" dirty="0" smtClean="0">
-                <a:solidFill>
-                  <a:schemeClr val="tx1"/>
-                </a:solidFill>
-                <a:effectLst/>
-                <a:latin typeface="Calibri" pitchFamily="34" charset="0"/>
-                <a:ea typeface="宋体" pitchFamily="2" charset="-122"/>
-                <a:cs typeface="+mn-cs"/>
-              </a:rPr>
-              <a:t>NoSQL</a:t>
-            </a:r>
-            <a:r>
-              <a:rPr lang="zh-CN" altLang="en-US" sz="1200" b="0" i="0" kern="1200" dirty="0" smtClean="0">
-                <a:solidFill>
-                  <a:schemeClr val="tx1"/>
-                </a:solidFill>
-                <a:effectLst/>
-                <a:latin typeface="Calibri" pitchFamily="34" charset="0"/>
-                <a:ea typeface="宋体" pitchFamily="2" charset="-122"/>
-                <a:cs typeface="+mn-cs"/>
-              </a:rPr>
-              <a:t>，推荐看</a:t>
-            </a:r>
-            <a:r>
-              <a:rPr lang="en-US" altLang="zh-CN" sz="1200" b="0" i="0" kern="1200" dirty="0" smtClean="0">
-                <a:solidFill>
-                  <a:schemeClr val="tx1"/>
-                </a:solidFill>
-                <a:effectLst/>
-                <a:latin typeface="Calibri" pitchFamily="34" charset="0"/>
-                <a:ea typeface="宋体" pitchFamily="2" charset="-122"/>
-                <a:cs typeface="+mn-cs"/>
-              </a:rPr>
-              <a:t>Martin</a:t>
-            </a:r>
-            <a:r>
-              <a:rPr lang="zh-CN" altLang="en-US" sz="1200" b="0" i="0" kern="1200" dirty="0" smtClean="0">
-                <a:solidFill>
-                  <a:schemeClr val="tx1"/>
-                </a:solidFill>
-                <a:effectLst/>
-                <a:latin typeface="Calibri" pitchFamily="34" charset="0"/>
-                <a:ea typeface="宋体" pitchFamily="2" charset="-122"/>
-                <a:cs typeface="+mn-cs"/>
-              </a:rPr>
-              <a:t>的</a:t>
-            </a:r>
-            <a:r>
-              <a:rPr lang="en-US" altLang="zh-CN" sz="1200" b="0" i="0" kern="1200" dirty="0" smtClean="0">
-                <a:solidFill>
-                  <a:schemeClr val="tx1"/>
-                </a:solidFill>
-                <a:effectLst/>
-                <a:latin typeface="Calibri" pitchFamily="34" charset="0"/>
-                <a:ea typeface="宋体" pitchFamily="2" charset="-122"/>
-                <a:cs typeface="+mn-cs"/>
-              </a:rPr>
-              <a:t>NoSQL Distilled</a:t>
-            </a:r>
-            <a:r>
-              <a:rPr lang="zh-CN" altLang="en-US" sz="1200" b="0" i="0" kern="1200" dirty="0" smtClean="0">
-                <a:solidFill>
-                  <a:schemeClr val="tx1"/>
-                </a:solidFill>
-                <a:effectLst/>
-                <a:latin typeface="Calibri" pitchFamily="34" charset="0"/>
-                <a:ea typeface="宋体" pitchFamily="2" charset="-122"/>
-                <a:cs typeface="+mn-cs"/>
-              </a:rPr>
-              <a:t>这本书</a:t>
-            </a:r>
-            <a:endParaRPr lang="zh-CN" altLang="en-US" dirty="0"/>
+            <a:pPr marL="0" marR="0" indent="0" algn="l" defTabSz="914400" rtl="0" eaLnBrk="1" fontAlgn="base" latinLnBrk="0" hangingPunct="1">
+              <a:lnSpc>
+                <a:spcPct val="100000"/>
+              </a:lnSpc>
+              <a:spcBef>
+                <a:spcPct val="30000"/>
+              </a:spcBef>
+              <a:spcAft>
+                <a:spcPct val="0"/>
+              </a:spcAft>
+              <a:buClrTx/>
+              <a:buSzTx/>
+              <a:buFontTx/>
+              <a:buNone/>
+              <a:tabLst/>
+              <a:defRPr/>
+            </a:pPr>
+            <a:r>
+              <a:rPr lang="en-US" altLang="zh-CN" dirty="0" smtClean="0"/>
+              <a:t>SQL</a:t>
+            </a:r>
+            <a:r>
+              <a:rPr lang="zh-CN" altLang="en-US" dirty="0" smtClean="0"/>
+              <a:t>引擎选型</a:t>
+            </a:r>
+            <a:r>
+              <a:rPr lang="en-US" altLang="zh-CN" dirty="0" smtClean="0"/>
+              <a:t>,</a:t>
+            </a:r>
+            <a:r>
+              <a:rPr lang="zh-CN" altLang="en-US" dirty="0" smtClean="0"/>
+              <a:t>这里主要对比</a:t>
+            </a:r>
+            <a:r>
+              <a:rPr lang="en-US" altLang="zh-CN" dirty="0" smtClean="0"/>
+              <a:t>presto</a:t>
+            </a:r>
+            <a:r>
+              <a:rPr lang="zh-CN" altLang="en-US" dirty="0" smtClean="0"/>
+              <a:t>、</a:t>
+            </a:r>
+            <a:r>
+              <a:rPr lang="en-US" altLang="zh-CN" dirty="0" smtClean="0"/>
+              <a:t>spark</a:t>
+            </a:r>
+            <a:r>
+              <a:rPr lang="zh-CN" altLang="en-US" dirty="0" smtClean="0"/>
+              <a:t> </a:t>
+            </a:r>
+            <a:r>
+              <a:rPr lang="en-US" altLang="zh-CN" dirty="0" smtClean="0"/>
+              <a:t>SQL</a:t>
+            </a:r>
+            <a:r>
+              <a:rPr lang="zh-CN" altLang="en-US" dirty="0" smtClean="0"/>
+              <a:t>、</a:t>
+            </a:r>
+            <a:r>
+              <a:rPr lang="en-US" altLang="zh-CN" dirty="0" smtClean="0"/>
+              <a:t>druid</a:t>
+            </a:r>
+            <a:r>
+              <a:rPr lang="zh-CN" altLang="en-US" dirty="0" smtClean="0"/>
+              <a:t>、</a:t>
+            </a:r>
+            <a:r>
+              <a:rPr lang="en-US" altLang="zh-CN" dirty="0" smtClean="0"/>
+              <a:t>impala</a:t>
+            </a:r>
+            <a:r>
+              <a:rPr lang="zh-CN" altLang="en-US" dirty="0" smtClean="0"/>
+              <a:t>、</a:t>
+            </a:r>
+            <a:r>
+              <a:rPr lang="en-US" altLang="zh-CN" dirty="0" err="1" smtClean="0"/>
+              <a:t>kylin</a:t>
+            </a:r>
+            <a:r>
+              <a:rPr lang="zh-CN" altLang="en-US" dirty="0" smtClean="0"/>
+              <a:t>：</a:t>
+            </a:r>
+            <a:endParaRPr lang="en-US" altLang="zh-CN" dirty="0" smtClean="0"/>
+          </a:p>
+          <a:p>
+            <a:r>
+              <a:rPr lang="zh-CN" altLang="en-US" dirty="0" smtClean="0"/>
+              <a:t>这里只说给出自己的经验，需要具体的量化</a:t>
+            </a:r>
+            <a:r>
+              <a:rPr lang="en-US" altLang="zh-CN" dirty="0" smtClean="0"/>
+              <a:t>benchmark</a:t>
+            </a:r>
+            <a:r>
+              <a:rPr lang="zh-CN" altLang="en-US" dirty="0" smtClean="0"/>
+              <a:t>比较需要后续工作。</a:t>
+            </a:r>
+            <a:endParaRPr lang="en-US" altLang="zh-CN" dirty="0" smtClean="0"/>
+          </a:p>
+          <a:p>
+            <a:endParaRPr lang="zh-CN" altLang="en-US" dirty="0" smtClean="0"/>
           </a:p>
         </p:txBody>
       </p:sp>
@@ -1393,7 +1488,7 @@
     </p:spTree>
     <p:extLst>
       <p:ext uri="{BB962C8B-B14F-4D97-AF65-F5344CB8AC3E}">
-        <p14:creationId xmlns:p14="http://schemas.microsoft.com/office/powerpoint/2010/main" val="2972794813"/>
+        <p14:creationId xmlns:p14="http://schemas.microsoft.com/office/powerpoint/2010/main" val="2546604137"/>
       </p:ext>
     </p:extLst>
   </p:cSld>
@@ -1447,46 +1542,107 @@
           <a:bodyPr/>
           <a:lstStyle/>
           <a:p>
-            <a:pPr marL="0" marR="0" indent="0" algn="l" defTabSz="914400" rtl="0" eaLnBrk="1" fontAlgn="base" latinLnBrk="0" hangingPunct="1">
-              <a:lnSpc>
-                <a:spcPct val="100000"/>
-              </a:lnSpc>
-              <a:spcBef>
-                <a:spcPct val="30000"/>
-              </a:spcBef>
-              <a:spcAft>
-                <a:spcPct val="0"/>
-              </a:spcAft>
-              <a:buClrTx/>
-              <a:buSzTx/>
-              <a:buFontTx/>
-              <a:buNone/>
-              <a:tabLst/>
-              <a:defRPr/>
-            </a:pPr>
-            <a:r>
-              <a:rPr lang="en-US" altLang="zh-CN" dirty="0" smtClean="0"/>
-              <a:t>SQL</a:t>
-            </a:r>
-            <a:r>
-              <a:rPr lang="zh-CN" altLang="en-US" dirty="0" smtClean="0"/>
-              <a:t>引擎选型</a:t>
-            </a:r>
-            <a:r>
-              <a:rPr lang="en-US" altLang="zh-CN" dirty="0" smtClean="0"/>
-              <a:t>,</a:t>
-            </a:r>
-            <a:r>
-              <a:rPr lang="zh-CN" altLang="en-US" dirty="0" smtClean="0"/>
-              <a:t>这里主要对比</a:t>
-            </a:r>
             <a:r>
               <a:rPr lang="en-US" altLang="zh-CN" dirty="0" smtClean="0"/>
               <a:t>presto</a:t>
             </a:r>
             <a:r>
               <a:rPr lang="zh-CN" altLang="en-US" dirty="0" smtClean="0"/>
+              <a:t>：</a:t>
+            </a:r>
+            <a:r>
+              <a:rPr lang="en-US" altLang="zh-CN" dirty="0" err="1" smtClean="0"/>
+              <a:t>facebook</a:t>
+            </a:r>
+            <a:r>
+              <a:rPr lang="zh-CN" altLang="en-US" dirty="0" smtClean="0"/>
+              <a:t>开源的一个</a:t>
+            </a:r>
+            <a:r>
+              <a:rPr lang="en-US" altLang="zh-CN" dirty="0" smtClean="0"/>
+              <a:t>java</a:t>
+            </a:r>
+            <a:r>
+              <a:rPr lang="zh-CN" altLang="en-US" dirty="0" smtClean="0"/>
+              <a:t>写的分布式数据查询框架，原生集成了</a:t>
+            </a:r>
+            <a:r>
+              <a:rPr lang="en-US" altLang="zh-CN" dirty="0" smtClean="0"/>
+              <a:t>Hive</a:t>
+            </a:r>
+            <a:r>
+              <a:rPr lang="zh-CN" altLang="en-US" dirty="0" smtClean="0"/>
               <a:t>、</a:t>
+            </a:r>
+            <a:r>
+              <a:rPr lang="en-US" altLang="zh-CN" dirty="0" err="1" smtClean="0"/>
+              <a:t>Hbase</a:t>
+            </a:r>
+            <a:r>
+              <a:rPr lang="zh-CN" altLang="en-US" dirty="0" smtClean="0"/>
+              <a:t>和关系型数据库，</a:t>
+            </a:r>
+            <a:r>
+              <a:rPr lang="en-US" altLang="zh-CN" dirty="0" smtClean="0"/>
+              <a:t>Presto</a:t>
+            </a:r>
+            <a:r>
+              <a:rPr lang="zh-CN" altLang="en-US" dirty="0" smtClean="0"/>
+              <a:t>背后所使用的执行模式与</a:t>
+            </a:r>
+            <a:r>
+              <a:rPr lang="en-US" altLang="zh-CN" dirty="0" smtClean="0"/>
+              <a:t>Hive</a:t>
+            </a:r>
+            <a:r>
+              <a:rPr lang="zh-CN" altLang="en-US" dirty="0" smtClean="0"/>
+              <a:t>有根本的不同，它没有使用</a:t>
+            </a:r>
+            <a:r>
+              <a:rPr lang="en-US" altLang="zh-CN" dirty="0" err="1" smtClean="0"/>
+              <a:t>MapReduce</a:t>
+            </a:r>
+            <a:r>
+              <a:rPr lang="zh-CN" altLang="en-US" dirty="0" smtClean="0"/>
+              <a:t>，大部分场景下比</a:t>
+            </a:r>
+            <a:r>
+              <a:rPr lang="en-US" altLang="zh-CN" dirty="0" smtClean="0"/>
+              <a:t>hive</a:t>
+            </a:r>
+            <a:r>
+              <a:rPr lang="zh-CN" altLang="en-US" dirty="0" smtClean="0"/>
+              <a:t>快一个数量级，其中的关键是所有的处理都在内存中完成。</a:t>
+            </a:r>
+            <a:br>
+              <a:rPr lang="zh-CN" altLang="en-US" dirty="0" smtClean="0"/>
+            </a:br>
+            <a:r>
+              <a:rPr lang="en-US" altLang="zh-CN" dirty="0" smtClean="0"/>
+              <a:t>Druid</a:t>
+            </a:r>
+            <a:r>
+              <a:rPr lang="zh-CN" altLang="en-US" dirty="0" smtClean="0"/>
+              <a:t>：是一个实时处理时序数据的</a:t>
+            </a:r>
+            <a:r>
+              <a:rPr lang="en-US" altLang="zh-CN" dirty="0" err="1" smtClean="0"/>
+              <a:t>Olap</a:t>
+            </a:r>
+            <a:r>
+              <a:rPr lang="zh-CN" altLang="en-US" dirty="0" smtClean="0"/>
+              <a:t>数据库，因为它的索引首先按照时间分片，查询的时候也是按照时间线去路由索引。</a:t>
+            </a:r>
+            <a:br>
+              <a:rPr lang="zh-CN" altLang="en-US" dirty="0" smtClean="0"/>
+            </a:br>
+            <a:r>
+              <a:rPr lang="en-US" altLang="zh-CN" dirty="0" smtClean="0"/>
+              <a:t>spark SQL</a:t>
+            </a:r>
+            <a:r>
+              <a:rPr lang="zh-CN" altLang="en-US" dirty="0" smtClean="0"/>
+              <a:t>：基于</a:t>
             </a:r>
             <a:r>
               <a:rPr lang="en-US" altLang="zh-CN" dirty="0" smtClean="0"/>
@@ -1494,63 +1650,59 @@
             </a:r>
             <a:r>
               <a:rPr lang="zh-CN" altLang="en-US" dirty="0" smtClean="0"/>
-              <a:t> </a:t>
+              <a:t>平台上的一个</a:t>
+            </a:r>
+            <a:r>
+              <a:rPr lang="en-US" altLang="zh-CN" dirty="0" err="1" smtClean="0"/>
+              <a:t>olap</a:t>
+            </a:r>
+            <a:r>
+              <a:rPr lang="zh-CN" altLang="en-US" dirty="0" smtClean="0"/>
+              <a:t>框架，本质上也是基于</a:t>
             </a:r>
             <a:r>
               <a:rPr lang="en-US" altLang="zh-CN" dirty="0" smtClean="0"/>
-              <a:t>SQL</a:t>
+              <a:t>DAG</a:t>
             </a:r>
             <a:r>
               <a:rPr lang="zh-CN" altLang="en-US" dirty="0" smtClean="0"/>
-              <a:t>、</a:t>
+              <a:t>的</a:t>
             </a:r>
             <a:r>
               <a:rPr lang="en-US" altLang="zh-CN" dirty="0" smtClean="0"/>
-              <a:t>druid</a:t>
+              <a:t>MPP</a:t>
             </a:r>
             <a:r>
               <a:rPr lang="zh-CN" altLang="en-US" dirty="0" smtClean="0"/>
-              <a:t>、</a:t>
-            </a:r>
-            <a:r>
-              <a:rPr lang="en-US" altLang="zh-CN" dirty="0" smtClean="0"/>
-              <a:t>impala</a:t>
-            </a:r>
-            <a:r>
+              <a:t>， 基本思路是增加机器来并行计算，从而提高查询速度。</a:t>
+            </a:r>
+            <a:br>
               <a:rPr lang="zh-CN" altLang="en-US" dirty="0" smtClean="0"/>
-              <a:t>、</a:t>
-            </a:r>
+            </a:br>
             <a:r>
               <a:rPr lang="en-US" altLang="zh-CN" dirty="0" err="1" smtClean="0"/>
               <a:t>kylin</a:t>
             </a:r>
             <a:r>
               <a:rPr lang="zh-CN" altLang="en-US" dirty="0" smtClean="0"/>
-              <a:t>：</a:t>
-            </a:r>
-            <a:endParaRPr lang="en-US" altLang="zh-CN" dirty="0" smtClean="0"/>
-          </a:p>
-          <a:p>
+              <a:t>：核心是</a:t>
+            </a:r>
+            <a:r>
+              <a:rPr lang="en-US" altLang="zh-CN" dirty="0" smtClean="0"/>
+              <a:t>Cube</a:t>
+            </a:r>
             <a:r>
               <a:rPr lang="zh-CN" altLang="en-US" dirty="0" smtClean="0"/>
-              <a:t>这里</a:t>
+              <a:t>，</a:t>
+            </a:r>
+            <a:r>
+              <a:rPr lang="en-US" altLang="zh-CN" dirty="0" smtClean="0"/>
+              <a:t>cube</a:t>
             </a:r>
             <a:r>
               <a:rPr lang="zh-CN" altLang="en-US" dirty="0" smtClean="0"/>
-              <a:t>只说给出自己的经验，需要具体的量化</a:t>
-            </a:r>
-            <a:r>
-              <a:rPr lang="en-US" altLang="zh-CN" dirty="0" smtClean="0"/>
-              <a:t>benchmark</a:t>
-            </a:r>
-            <a:r>
-              <a:rPr lang="zh-CN" altLang="en-US" dirty="0" smtClean="0"/>
-              <a:t>比较需要后续工作。</a:t>
-            </a:r>
-            <a:endParaRPr lang="en-US" altLang="zh-CN" dirty="0" smtClean="0"/>
-          </a:p>
-          <a:p>
-            <a:endParaRPr lang="zh-CN" altLang="en-US" dirty="0" smtClean="0"/>
+              <a:t>是一种预计算技术，基本思路是预先对数据作多维索引，查询时只扫描索引而不访问原始数据从而提速。</a:t>
+            </a:r>
           </a:p>
         </p:txBody>
       </p:sp>
@@ -1635,167 +1787,7 @@
           <a:bodyPr/>
           <a:lstStyle/>
           <a:p>
-            <a:r>
-              <a:rPr lang="en-US" altLang="zh-CN" dirty="0" smtClean="0"/>
-              <a:t>presto</a:t>
-            </a:r>
-            <a:r>
-              <a:rPr lang="zh-CN" altLang="en-US" dirty="0" smtClean="0"/>
-              <a:t>：</a:t>
-            </a:r>
-            <a:r>
-              <a:rPr lang="en-US" altLang="zh-CN" dirty="0" err="1" smtClean="0"/>
-              <a:t>facebook</a:t>
-            </a:r>
-            <a:r>
-              <a:rPr lang="zh-CN" altLang="en-US" dirty="0" smtClean="0"/>
-              <a:t>开源的一个</a:t>
-            </a:r>
-            <a:r>
-              <a:rPr lang="en-US" altLang="zh-CN" dirty="0" smtClean="0"/>
-              <a:t>java</a:t>
-            </a:r>
-            <a:r>
-              <a:rPr lang="zh-CN" altLang="en-US" dirty="0" smtClean="0"/>
-              <a:t>写的分布式数据查询框架，原生集成了</a:t>
-            </a:r>
-            <a:r>
-              <a:rPr lang="en-US" altLang="zh-CN" dirty="0" smtClean="0"/>
-              <a:t>Hive</a:t>
-            </a:r>
-            <a:r>
-              <a:rPr lang="zh-CN" altLang="en-US" dirty="0" smtClean="0"/>
-              <a:t>、</a:t>
-            </a:r>
-            <a:r>
-              <a:rPr lang="en-US" altLang="zh-CN" dirty="0" err="1" smtClean="0"/>
-              <a:t>Hbase</a:t>
-            </a:r>
-            <a:r>
-              <a:rPr lang="zh-CN" altLang="en-US" dirty="0" smtClean="0"/>
-              <a:t>和关系型数据库，</a:t>
-            </a:r>
-            <a:r>
-              <a:rPr lang="en-US" altLang="zh-CN" dirty="0" smtClean="0"/>
-              <a:t>Presto</a:t>
-            </a:r>
-            <a:r>
-              <a:rPr lang="zh-CN" altLang="en-US" dirty="0" smtClean="0"/>
-              <a:t>背后所使用的执行模式与</a:t>
-            </a:r>
-            <a:r>
-              <a:rPr lang="en-US" altLang="zh-CN" dirty="0" smtClean="0"/>
-              <a:t>Hive</a:t>
-            </a:r>
-            <a:r>
-              <a:rPr lang="zh-CN" altLang="en-US" dirty="0" smtClean="0"/>
-              <a:t>有根本的不同，它没有使用</a:t>
-            </a:r>
-            <a:r>
-              <a:rPr lang="en-US" altLang="zh-CN" dirty="0" err="1" smtClean="0"/>
-              <a:t>MapReduce</a:t>
-            </a:r>
-            <a:r>
-              <a:rPr lang="zh-CN" altLang="en-US" dirty="0" smtClean="0"/>
-              <a:t>，大部分场景下比</a:t>
-            </a:r>
-            <a:r>
-              <a:rPr lang="en-US" altLang="zh-CN" dirty="0" smtClean="0"/>
-              <a:t>hive</a:t>
-            </a:r>
-            <a:r>
-              <a:rPr lang="zh-CN" altLang="en-US" dirty="0" smtClean="0"/>
-              <a:t>快一个数量级，其中的关键是所有的处理都在内存中完成。</a:t>
-            </a:r>
-            <a:br>
-              <a:rPr lang="zh-CN" altLang="en-US" dirty="0" smtClean="0"/>
-            </a:br>
-            <a:r>
-              <a:rPr lang="en-US" altLang="zh-CN" dirty="0" smtClean="0"/>
-              <a:t>Druid</a:t>
-            </a:r>
-            <a:r>
-              <a:rPr lang="zh-CN" altLang="en-US" dirty="0" smtClean="0"/>
-              <a:t>：是一个实时处理时序数据的</a:t>
-            </a:r>
-            <a:r>
-              <a:rPr lang="en-US" altLang="zh-CN" dirty="0" err="1" smtClean="0"/>
-              <a:t>Olap</a:t>
-            </a:r>
-            <a:r>
-              <a:rPr lang="zh-CN" altLang="en-US" dirty="0" smtClean="0"/>
-              <a:t>数据库，因为它的索引首先按照时间分片，查询的时候也是按照时间线去路由索引。</a:t>
-            </a:r>
-            <a:br>
-              <a:rPr lang="zh-CN" altLang="en-US" dirty="0" smtClean="0"/>
-            </a:br>
-            <a:r>
-              <a:rPr lang="en-US" altLang="zh-CN" dirty="0" smtClean="0"/>
-              <a:t>spark SQL</a:t>
-            </a:r>
-            <a:r>
-              <a:rPr lang="zh-CN" altLang="en-US" dirty="0" smtClean="0"/>
-              <a:t>：基于</a:t>
-            </a:r>
-            <a:r>
-              <a:rPr lang="en-US" altLang="zh-CN" dirty="0" smtClean="0"/>
-              <a:t>spark</a:t>
-            </a:r>
-            <a:r>
-              <a:rPr lang="zh-CN" altLang="en-US" dirty="0" smtClean="0"/>
-              <a:t>平台上的一个</a:t>
-            </a:r>
-            <a:r>
-              <a:rPr lang="en-US" altLang="zh-CN" dirty="0" err="1" smtClean="0"/>
-              <a:t>olap</a:t>
-            </a:r>
-            <a:r>
-              <a:rPr lang="zh-CN" altLang="en-US" dirty="0" smtClean="0"/>
-              <a:t>框架，本质上也是基于</a:t>
-            </a:r>
-            <a:r>
-              <a:rPr lang="en-US" altLang="zh-CN" dirty="0" smtClean="0"/>
-              <a:t>DAG</a:t>
-            </a:r>
-            <a:r>
-              <a:rPr lang="zh-CN" altLang="en-US" dirty="0" smtClean="0"/>
-              <a:t>的</a:t>
-            </a:r>
-            <a:r>
-              <a:rPr lang="en-US" altLang="zh-CN" dirty="0" smtClean="0"/>
-              <a:t>MPP</a:t>
-            </a:r>
-            <a:r>
-              <a:rPr lang="zh-CN" altLang="en-US" dirty="0" smtClean="0"/>
-              <a:t>， 基本思路是增加机器来并行计算，从而提高查询速度。</a:t>
-            </a:r>
-            <a:br>
-              <a:rPr lang="zh-CN" altLang="en-US" dirty="0" smtClean="0"/>
-            </a:br>
-            <a:r>
-              <a:rPr lang="en-US" altLang="zh-CN" dirty="0" err="1" smtClean="0"/>
-              <a:t>kylin</a:t>
-            </a:r>
-            <a:r>
-              <a:rPr lang="zh-CN" altLang="en-US" dirty="0" smtClean="0"/>
-              <a:t>：核心是</a:t>
-            </a:r>
-            <a:r>
-              <a:rPr lang="en-US" altLang="zh-CN" dirty="0" smtClean="0"/>
-              <a:t>Cube</a:t>
-            </a:r>
-            <a:r>
-              <a:rPr lang="zh-CN" altLang="en-US" dirty="0" smtClean="0"/>
-              <a:t>，</a:t>
-            </a:r>
-            <a:r>
-              <a:rPr lang="en-US" altLang="zh-CN" dirty="0" smtClean="0"/>
-              <a:t>cube</a:t>
-            </a:r>
-            <a:r>
-              <a:rPr lang="zh-CN" altLang="en-US" dirty="0" smtClean="0"/>
-              <a:t>是一种预计算技术，基本思路是预先对数据作多维索引，查询时只扫描索引而不访问原始数据从而提速。</a:t>
-            </a:r>
+            <a:endParaRPr lang="zh-CN" altLang="en-US" dirty="0" smtClean="0"/>
           </a:p>
         </p:txBody>
       </p:sp>
@@ -1965,7 +1957,67 @@
           <a:bodyPr/>
           <a:lstStyle/>
           <a:p>
-            <a:endParaRPr lang="zh-CN" altLang="en-US" dirty="0" smtClean="0"/>
+            <a:r>
+              <a:rPr lang="zh-CN" altLang="en-US" dirty="0" smtClean="0"/>
+              <a:t>综合来看，初步保守方案可以是：</a:t>
+            </a:r>
+            <a:r>
+              <a:rPr lang="en-US" altLang="zh-CN" dirty="0" err="1" smtClean="0"/>
+              <a:t>es</a:t>
+            </a:r>
+            <a:r>
+              <a:rPr lang="zh-CN" altLang="en-US" dirty="0" smtClean="0"/>
+              <a:t>只是作为全文检索，</a:t>
+            </a:r>
+            <a:r>
+              <a:rPr lang="en-US" altLang="zh-CN" dirty="0" err="1" smtClean="0"/>
+              <a:t>hbas</a:t>
+            </a:r>
+            <a:r>
+              <a:rPr lang="zh-CN" altLang="en-US" dirty="0" smtClean="0"/>
+              <a:t>作为数据仓库，</a:t>
+            </a:r>
+            <a:r>
+              <a:rPr lang="en-US" altLang="zh-CN" dirty="0" smtClean="0"/>
+              <a:t>spark</a:t>
+            </a:r>
+            <a:r>
+              <a:rPr lang="zh-CN" altLang="en-US" dirty="0" smtClean="0"/>
+              <a:t> </a:t>
+            </a:r>
+            <a:r>
+              <a:rPr lang="en-US" altLang="zh-CN" dirty="0" err="1" smtClean="0"/>
+              <a:t>sql</a:t>
+            </a:r>
+            <a:r>
+              <a:rPr lang="zh-CN" altLang="en-US" dirty="0" smtClean="0"/>
+              <a:t>作为数据融合和数据挖掘的引擎，可能还会引入一个</a:t>
+            </a:r>
+            <a:r>
+              <a:rPr lang="en-US" altLang="zh-CN" dirty="0" smtClean="0"/>
+              <a:t>impala</a:t>
+            </a:r>
+            <a:r>
+              <a:rPr lang="zh-CN" altLang="en-US" dirty="0" smtClean="0"/>
+              <a:t>或者</a:t>
+            </a:r>
+            <a:r>
+              <a:rPr lang="en-US" altLang="zh-CN" dirty="0" smtClean="0"/>
+              <a:t>druid</a:t>
+            </a:r>
+            <a:r>
+              <a:rPr lang="zh-CN" altLang="en-US" dirty="0" smtClean="0"/>
+              <a:t>或者</a:t>
+            </a:r>
+            <a:r>
+              <a:rPr lang="en-US" altLang="zh-CN" dirty="0" err="1" smtClean="0"/>
+              <a:t>kylin</a:t>
+            </a:r>
+            <a:r>
+              <a:rPr lang="zh-CN" altLang="en-US" dirty="0" smtClean="0"/>
+              <a:t>来与前端做某些表的交互</a:t>
+            </a:r>
+            <a:endParaRPr lang="zh-CN" altLang="en-US" dirty="0"/>
           </a:p>
         </p:txBody>
       </p:sp>
@@ -1996,7 +2048,7 @@
     </p:spTree>
     <p:extLst>
       <p:ext uri="{BB962C8B-B14F-4D97-AF65-F5344CB8AC3E}">
-        <p14:creationId xmlns:p14="http://schemas.microsoft.com/office/powerpoint/2010/main" val="2546604137"/>
+        <p14:creationId xmlns:p14="http://schemas.microsoft.com/office/powerpoint/2010/main" val="315180850"/>
       </p:ext>
     </p:extLst>
   </p:cSld>
@@ -2052,63 +2104,19 @@
           <a:p>
             <a:r>
               <a:rPr lang="zh-CN" altLang="en-US" dirty="0" smtClean="0"/>
-              <a:t>综合来看，初步保守方案可以是：</a:t>
-            </a:r>
-            <a:r>
-              <a:rPr lang="en-US" altLang="zh-CN" dirty="0" err="1" smtClean="0"/>
-              <a:t>es</a:t>
+              <a:t>公司用的是</a:t>
+            </a:r>
+            <a:r>
+              <a:rPr lang="en-US" altLang="zh-CN" dirty="0" smtClean="0"/>
+              <a:t>PG</a:t>
             </a:r>
             <a:r>
               <a:rPr lang="zh-CN" altLang="en-US" dirty="0" smtClean="0"/>
-              <a:t>只是作为全文检索，</a:t>
-            </a:r>
-            <a:r>
-              <a:rPr lang="en-US" altLang="zh-CN" dirty="0" err="1" smtClean="0"/>
-              <a:t>hbas</a:t>
-            </a:r>
-            <a:r>
-              <a:rPr lang="zh-CN" altLang="en-US" dirty="0" smtClean="0"/>
-              <a:t>作为数据仓库，</a:t>
+              <a:t>，那么就用</a:t>
             </a:r>
             <a:r>
               <a:rPr lang="en-US" altLang="zh-CN" dirty="0" smtClean="0"/>
-              <a:t>spark</a:t>
-            </a:r>
-            <a:r>
-              <a:rPr lang="zh-CN" altLang="en-US" dirty="0" smtClean="0"/>
-              <a:t> </a:t>
-            </a:r>
-            <a:r>
-              <a:rPr lang="en-US" altLang="zh-CN" dirty="0" err="1" smtClean="0"/>
-              <a:t>sql</a:t>
-            </a:r>
-            <a:r>
-              <a:rPr lang="zh-CN" altLang="en-US" dirty="0" smtClean="0"/>
-              <a:t>作为数据融合和数据挖掘的引擎，可能还会引入一个</a:t>
-            </a:r>
-            <a:r>
-              <a:rPr lang="en-US" altLang="zh-CN" dirty="0" smtClean="0"/>
-              <a:t>impala</a:t>
-            </a:r>
-            <a:r>
-              <a:rPr lang="zh-CN" altLang="en-US" dirty="0" smtClean="0"/>
-              <a:t>或者</a:t>
-            </a:r>
-            <a:r>
-              <a:rPr lang="en-US" altLang="zh-CN" dirty="0" smtClean="0"/>
-              <a:t>druid</a:t>
-            </a:r>
-            <a:r>
-              <a:rPr lang="zh-CN" altLang="en-US" dirty="0" smtClean="0"/>
-              <a:t>或者</a:t>
-            </a:r>
-            <a:r>
-              <a:rPr lang="en-US" altLang="zh-CN" dirty="0" err="1" smtClean="0"/>
-              <a:t>kylin</a:t>
-            </a:r>
-            <a:r>
-              <a:rPr lang="zh-CN" altLang="en-US" dirty="0" smtClean="0"/>
-              <a:t>来与前端做某些表的交互</a:t>
+              <a:t>PG</a:t>
             </a:r>
             <a:endParaRPr lang="zh-CN" altLang="en-US" dirty="0"/>
           </a:p>
@@ -2133,107 +2141,6 @@
               <a:rPr lang="zh-CN" altLang="en-US" smtClean="0"/>
               <a:pPr/>
               <a:t>12</a:t>
-            </a:fld>
-            <a:endParaRPr lang="en-US" altLang="zh-CN" dirty="0"/>
-          </a:p>
-        </p:txBody>
-      </p:sp>
-    </p:spTree>
-    <p:extLst>
-      <p:ext uri="{BB962C8B-B14F-4D97-AF65-F5344CB8AC3E}">
-        <p14:creationId xmlns:p14="http://schemas.microsoft.com/office/powerpoint/2010/main" val="315180850"/>
-      </p:ext>
-    </p:extLst>
-  </p:cSld>
-  <p:clrMapOvr>
-    <a:masterClrMapping/>
-  </p:clrMapOvr>
-</p:notes>
-</file>
-
-<file path=ppt/notesSlides/notesSlide9.xml><?xml version="1.0" encoding="utf-8"?>
-<p:notes xmlns:a="http://schemas.openxmlformats.org/drawingml/2006/main" xmlns:r="http://schemas.openxmlformats.org/officeDocument/2006/relationships" xmlns:p="http://schemas.openxmlformats.org/presentationml/2006/main">
-  <p:cSld>
-    <p:spTree>
-      <p:nvGrpSpPr>
-        <p:cNvPr id="1" name=""/>
-        <p:cNvGrpSpPr/>
-        <p:nvPr/>
-      </p:nvGrpSpPr>
-      <p:grpSpPr>
-        <a:xfrm>
-          <a:off x="0" y="0"/>
-          <a:ext cx="0" cy="0"/>
-          <a:chOff x="0" y="0"/>
-          <a:chExt cx="0" cy="0"/>
-        </a:xfrm>
-      </p:grpSpPr>
-      <p:sp>
-        <p:nvSpPr>
-          <p:cNvPr id="2" name="幻灯片图像占位符 1"/>
-          <p:cNvSpPr>
-            <a:spLocks noGrp="1" noRot="1" noChangeAspect="1"/>
-          </p:cNvSpPr>
-          <p:nvPr>
-            <p:ph type="sldImg"/>
-          </p:nvPr>
-        </p:nvSpPr>
-        <p:spPr/>
-      </p:sp>
-      <p:sp>
-        <p:nvSpPr>
-          <p:cNvPr id="3" name="备注占位符 2"/>
-          <p:cNvSpPr>
-            <a:spLocks noGrp="1"/>
-          </p:cNvSpPr>
-          <p:nvPr>
-            <p:ph type="body" idx="1"/>
-          </p:nvPr>
-        </p:nvSpPr>
-        <p:spPr/>
-        <p:txBody>
-          <a:bodyPr/>
-          <a:lstStyle/>
-          <a:p>
-            <a:r>
-              <a:rPr lang="zh-CN" altLang="en-US" dirty="0" smtClean="0"/>
-              <a:t>公司用的是</a:t>
-            </a:r>
-            <a:r>
-              <a:rPr lang="en-US" altLang="zh-CN" dirty="0" smtClean="0"/>
-              <a:t>PG</a:t>
-            </a:r>
-            <a:r>
-              <a:rPr lang="zh-CN" altLang="en-US" dirty="0" smtClean="0"/>
-              <a:t>，那么就用</a:t>
-            </a:r>
-            <a:r>
-              <a:rPr lang="en-US" altLang="zh-CN" dirty="0" smtClean="0"/>
-              <a:t>PG</a:t>
-            </a:r>
-            <a:endParaRPr lang="zh-CN" altLang="en-US" dirty="0"/>
-          </a:p>
-        </p:txBody>
-      </p:sp>
-      <p:sp>
-        <p:nvSpPr>
-          <p:cNvPr id="4" name="灯片编号占位符 3"/>
-          <p:cNvSpPr>
-            <a:spLocks noGrp="1"/>
-          </p:cNvSpPr>
-          <p:nvPr>
-            <p:ph type="sldNum" sz="quarter" idx="10"/>
-          </p:nvPr>
-        </p:nvSpPr>
-        <p:spPr/>
-        <p:txBody>
-          <a:bodyPr/>
-          <a:lstStyle/>
-          <a:p>
-            <a:fld id="{E3D1208B-ABB5-48F0-93EC-79B837E3F925}" type="slidenum">
-              <a:rPr lang="zh-CN" altLang="en-US" smtClean="0"/>
-              <a:pPr/>
-              <a:t>13</a:t>
             </a:fld>
             <a:endParaRPr lang="en-US" altLang="zh-CN" dirty="0"/>
           </a:p>
@@ -4741,7 +4648,7 @@
   </p:timing>
   <p:extLst mod="1">
     <p:ext uri="{DCECCB84-F9BA-43D5-87BE-67443E8EF086}">
-      <p15:sldGuideLst xmlns:p15="http://schemas.microsoft.com/office/powerpoint/2012/main" xmlns="">
+      <p15:sldGuideLst xmlns="" xmlns:p15="http://schemas.microsoft.com/office/powerpoint/2012/main">
         <p15:guide id="1" orient="horz" pos="414" userDrawn="1">
           <p15:clr>
             <a:srgbClr val="FBAE40"/>
@@ -6395,334 +6302,6 @@
           <a:xfrm>
             <a:off x="0" y="6481267"/>
             <a:ext cx="9142884" cy="374501"/>
-          </a:xfrm>
-          <a:prstGeom prst="rect">
-            <a:avLst/>
-          </a:prstGeom>
-          <a:noFill/>
-          <a:ln>
-            <a:noFill/>
-          </a:ln>
-          <a:effectLst/>
-          <a:extLst>
-            <a:ext uri="{909E8E84-426E-40DD-AFC4-6F175D3DCCD1}">
-              <a14:hiddenFill xmlns:a14="http://schemas.microsoft.com/office/drawing/2010/main">
-                <a:solidFill>
-                  <a:srgbClr val="FFFFFF"/>
-                </a:solidFill>
-              </a14:hiddenFill>
-            </a:ext>
-            <a:ext uri="{91240B29-F687-4F45-9708-019B960494DF}">
-              <a14:hiddenLine xmlns:a14="http://schemas.microsoft.com/office/drawing/2010/main" w="3175">
-                <a:solidFill>
-                  <a:srgbClr val="000000"/>
-                </a:solidFill>
-                <a:miter lim="0"/>
-                <a:headEnd/>
-                <a:tailEnd/>
-              </a14:hiddenLine>
-            </a:ext>
-            <a:ext uri="{AF507438-7753-43E0-B8FC-AC1667EBCBE1}">
-              <a14:hiddenEffects xmlns:a14="http://schemas.microsoft.com/office/drawing/2010/main">
-                <a:effectLst>
-                  <a:outerShdw dist="35921" dir="2700000" algn="ctr" rotWithShape="0">
-                    <a:srgbClr val="808080"/>
-                  </a:outerShdw>
-                </a:effectLst>
-              </a14:hiddenEffects>
-            </a:ext>
-          </a:extLst>
-        </p:spPr>
-      </p:pic>
-      <p:sp>
-        <p:nvSpPr>
-          <p:cNvPr id="8" name="AutoShape 2"/>
-          <p:cNvSpPr>
-            <a:spLocks/>
-          </p:cNvSpPr>
-          <p:nvPr userDrawn="1"/>
-        </p:nvSpPr>
-        <p:spPr bwMode="auto">
-          <a:xfrm>
-            <a:off x="304726" y="6580373"/>
-            <a:ext cx="3808512" cy="214313"/>
-          </a:xfrm>
-          <a:custGeom>
-            <a:avLst/>
-            <a:gdLst>
-              <a:gd name="T0" fmla="*/ 10800 w 21600"/>
-              <a:gd name="T1" fmla="*/ 10800 h 21600"/>
-              <a:gd name="T2" fmla="*/ 10800 w 21600"/>
-              <a:gd name="T3" fmla="*/ 10800 h 21600"/>
-              <a:gd name="T4" fmla="*/ 10800 w 21600"/>
-              <a:gd name="T5" fmla="*/ 10800 h 21600"/>
-              <a:gd name="T6" fmla="*/ 10800 w 21600"/>
-              <a:gd name="T7" fmla="*/ 10800 h 21600"/>
-            </a:gdLst>
-            <a:ahLst/>
-            <a:cxnLst>
-              <a:cxn ang="0">
-                <a:pos x="T0" y="T1"/>
-              </a:cxn>
-              <a:cxn ang="0">
-                <a:pos x="T2" y="T3"/>
-              </a:cxn>
-              <a:cxn ang="0">
-                <a:pos x="T4" y="T5"/>
-              </a:cxn>
-              <a:cxn ang="0">
-                <a:pos x="T6" y="T7"/>
-              </a:cxn>
-            </a:cxnLst>
-            <a:rect l="0" t="0" r="r" b="b"/>
-            <a:pathLst>
-              <a:path w="21600" h="21600">
-                <a:moveTo>
-                  <a:pt x="0" y="0"/>
-                </a:moveTo>
-                <a:lnTo>
-                  <a:pt x="21599" y="0"/>
-                </a:lnTo>
-                <a:lnTo>
-                  <a:pt x="21599" y="21600"/>
-                </a:lnTo>
-                <a:lnTo>
-                  <a:pt x="0" y="21600"/>
-                </a:lnTo>
-                <a:close/>
-              </a:path>
-            </a:pathLst>
-          </a:custGeom>
-          <a:noFill/>
-          <a:ln>
-            <a:noFill/>
-          </a:ln>
-          <a:effectLst/>
-          <a:extLst>
-            <a:ext uri="{909E8E84-426E-40DD-AFC4-6F175D3DCCD1}">
-              <a14:hiddenFill xmlns:a14="http://schemas.microsoft.com/office/drawing/2010/main">
-                <a:solidFill>
-                  <a:srgbClr val="FFFFFF"/>
-                </a:solidFill>
-              </a14:hiddenFill>
-            </a:ext>
-            <a:ext uri="{91240B29-F687-4F45-9708-019B960494DF}">
-              <a14:hiddenLine xmlns:a14="http://schemas.microsoft.com/office/drawing/2010/main" w="3175" cap="flat" cmpd="sng">
-                <a:solidFill>
-                  <a:srgbClr val="000000"/>
-                </a:solidFill>
-                <a:prstDash val="solid"/>
-                <a:miter lim="0"/>
-                <a:headEnd/>
-                <a:tailEnd/>
-              </a14:hiddenLine>
-            </a:ext>
-            <a:ext uri="{AF507438-7753-43E0-B8FC-AC1667EBCBE1}">
-              <a14:hiddenEffects xmlns:a14="http://schemas.microsoft.com/office/drawing/2010/main">
-                <a:effectLst>
-                  <a:outerShdw dist="35921" dir="2700000" algn="ctr" rotWithShape="0">
-                    <a:srgbClr val="808080"/>
-                  </a:outerShdw>
-                </a:effectLst>
-              </a14:hiddenEffects>
-            </a:ext>
-          </a:extLst>
-        </p:spPr>
-        <p:txBody>
-          <a:bodyPr lIns="0" tIns="0" rIns="0" bIns="0"/>
-          <a:lstStyle>
-            <a:lvl1pPr algn="ctr" defTabSz="801688">
-              <a:defRPr sz="3400">
-                <a:solidFill>
-                  <a:srgbClr val="000000"/>
-                </a:solidFill>
-                <a:latin typeface="Helvetica Light" charset="0"/>
-                <a:ea typeface="Helvetica Light" charset="0"/>
-                <a:cs typeface="Helvetica Light" charset="0"/>
-                <a:sym typeface="Helvetica Light" charset="0"/>
-              </a:defRPr>
-            </a:lvl1pPr>
-            <a:lvl2pPr marL="742950" indent="-285750" algn="ctr" defTabSz="801688">
-              <a:defRPr sz="3400">
-                <a:solidFill>
-                  <a:srgbClr val="000000"/>
-                </a:solidFill>
-                <a:latin typeface="Helvetica Light" charset="0"/>
-                <a:ea typeface="Helvetica Light" charset="0"/>
-                <a:cs typeface="Helvetica Light" charset="0"/>
-                <a:sym typeface="Helvetica Light" charset="0"/>
-              </a:defRPr>
-            </a:lvl2pPr>
-            <a:lvl3pPr marL="1143000" indent="-228600" algn="ctr" defTabSz="801688">
-              <a:defRPr sz="3400">
-                <a:solidFill>
-                  <a:srgbClr val="000000"/>
-                </a:solidFill>
-                <a:latin typeface="Helvetica Light" charset="0"/>
-                <a:ea typeface="Helvetica Light" charset="0"/>
-                <a:cs typeface="Helvetica Light" charset="0"/>
-                <a:sym typeface="Helvetica Light" charset="0"/>
-              </a:defRPr>
-            </a:lvl3pPr>
-            <a:lvl4pPr marL="1600200" indent="-228600" algn="ctr" defTabSz="801688">
-              <a:defRPr sz="3400">
-                <a:solidFill>
-                  <a:srgbClr val="000000"/>
-                </a:solidFill>
-                <a:latin typeface="Helvetica Light" charset="0"/>
-                <a:ea typeface="Helvetica Light" charset="0"/>
-                <a:cs typeface="Helvetica Light" charset="0"/>
-                <a:sym typeface="Helvetica Light" charset="0"/>
-              </a:defRPr>
-            </a:lvl4pPr>
-            <a:lvl5pPr marL="2057400" indent="-228600" algn="ctr" defTabSz="801688">
-              <a:defRPr sz="3400">
-                <a:solidFill>
-                  <a:srgbClr val="000000"/>
-                </a:solidFill>
-                <a:latin typeface="Helvetica Light" charset="0"/>
-                <a:ea typeface="Helvetica Light" charset="0"/>
-                <a:cs typeface="Helvetica Light" charset="0"/>
-                <a:sym typeface="Helvetica Light" charset="0"/>
-              </a:defRPr>
-            </a:lvl5pPr>
-            <a:lvl6pPr marL="2514600" indent="-228600" algn="ctr" defTabSz="801688" eaLnBrk="0" fontAlgn="base" hangingPunct="0">
-              <a:spcBef>
-                <a:spcPct val="0"/>
-              </a:spcBef>
-              <a:spcAft>
-                <a:spcPct val="0"/>
-              </a:spcAft>
-              <a:defRPr sz="3400">
-                <a:solidFill>
-                  <a:srgbClr val="000000"/>
-                </a:solidFill>
-                <a:latin typeface="Helvetica Light" charset="0"/>
-                <a:ea typeface="Helvetica Light" charset="0"/>
-                <a:cs typeface="Helvetica Light" charset="0"/>
-                <a:sym typeface="Helvetica Light" charset="0"/>
-              </a:defRPr>
-            </a:lvl6pPr>
-            <a:lvl7pPr marL="2971800" indent="-228600" algn="ctr" defTabSz="801688" eaLnBrk="0" fontAlgn="base" hangingPunct="0">
-              <a:spcBef>
-                <a:spcPct val="0"/>
-              </a:spcBef>
-              <a:spcAft>
-                <a:spcPct val="0"/>
-              </a:spcAft>
-              <a:defRPr sz="3400">
-                <a:solidFill>
-                  <a:srgbClr val="000000"/>
-                </a:solidFill>
-                <a:latin typeface="Helvetica Light" charset="0"/>
-                <a:ea typeface="Helvetica Light" charset="0"/>
-                <a:cs typeface="Helvetica Light" charset="0"/>
-                <a:sym typeface="Helvetica Light" charset="0"/>
-              </a:defRPr>
-            </a:lvl7pPr>
-            <a:lvl8pPr marL="3429000" indent="-228600" algn="ctr" defTabSz="801688" eaLnBrk="0" fontAlgn="base" hangingPunct="0">
-              <a:spcBef>
-                <a:spcPct val="0"/>
-              </a:spcBef>
-              <a:spcAft>
-                <a:spcPct val="0"/>
-              </a:spcAft>
-              <a:defRPr sz="3400">
-                <a:solidFill>
-                  <a:srgbClr val="000000"/>
-                </a:solidFill>
-                <a:latin typeface="Helvetica Light" charset="0"/>
-                <a:ea typeface="Helvetica Light" charset="0"/>
-                <a:cs typeface="Helvetica Light" charset="0"/>
-                <a:sym typeface="Helvetica Light" charset="0"/>
-              </a:defRPr>
-            </a:lvl8pPr>
-            <a:lvl9pPr marL="3886200" indent="-228600" algn="ctr" defTabSz="801688" eaLnBrk="0" fontAlgn="base" hangingPunct="0">
-              <a:spcBef>
-                <a:spcPct val="0"/>
-              </a:spcBef>
-              <a:spcAft>
-                <a:spcPct val="0"/>
-              </a:spcAft>
-              <a:defRPr sz="3400">
-                <a:solidFill>
-                  <a:srgbClr val="000000"/>
-                </a:solidFill>
-                <a:latin typeface="Helvetica Light" charset="0"/>
-                <a:ea typeface="Helvetica Light" charset="0"/>
-                <a:cs typeface="Helvetica Light" charset="0"/>
-                <a:sym typeface="Helvetica Light" charset="0"/>
-              </a:defRPr>
-            </a:lvl9pPr>
-          </a:lstStyle>
-          <a:p>
-            <a:pPr algn="l" eaLnBrk="1">
-              <a:defRPr/>
-            </a:pPr>
-            <a:r>
-              <a:rPr lang="zh-CN" altLang="zh-CN" sz="1125" dirty="0" smtClean="0">
-                <a:latin typeface="微软雅黑" panose="020B0503020204020204" pitchFamily="34" charset="-122"/>
-                <a:ea typeface="微软雅黑" panose="020B0503020204020204" pitchFamily="34" charset="-122"/>
-                <a:sym typeface="Helvetica" panose="020B0604020202020204" pitchFamily="34" charset="0"/>
-              </a:rPr>
-              <a:t>Hangzhou Hikvision Digital Technology Co</a:t>
-            </a:r>
-            <a:r>
-              <a:rPr lang="zh-CN" altLang="en-US" sz="1125" dirty="0" smtClean="0">
-                <a:latin typeface="微软雅黑" panose="020B0503020204020204" pitchFamily="34" charset="-122"/>
-                <a:ea typeface="微软雅黑" panose="020B0503020204020204" pitchFamily="34" charset="-122"/>
-                <a:sym typeface="Helvetica" panose="020B0604020202020204" pitchFamily="34" charset="0"/>
-              </a:rPr>
-              <a:t>。，</a:t>
-            </a:r>
-            <a:r>
-              <a:rPr lang="zh-CN" altLang="zh-CN" sz="1125" dirty="0" smtClean="0">
-                <a:latin typeface="微软雅黑" panose="020B0503020204020204" pitchFamily="34" charset="-122"/>
-                <a:ea typeface="微软雅黑" panose="020B0503020204020204" pitchFamily="34" charset="-122"/>
-                <a:sym typeface="Helvetica" panose="020B0604020202020204" pitchFamily="34" charset="0"/>
-              </a:rPr>
-              <a:t> Ltd</a:t>
-            </a:r>
-            <a:r>
-              <a:rPr lang="zh-CN" altLang="en-US" sz="1125" dirty="0" smtClean="0">
-                <a:latin typeface="微软雅黑" panose="020B0503020204020204" pitchFamily="34" charset="-122"/>
-                <a:ea typeface="微软雅黑" panose="020B0503020204020204" pitchFamily="34" charset="-122"/>
-                <a:sym typeface="Helvetica" panose="020B0604020202020204" pitchFamily="34" charset="0"/>
-              </a:rPr>
-              <a:t>。</a:t>
-            </a:r>
-            <a:endParaRPr lang="zh-CN" altLang="zh-CN" sz="1969" dirty="0" smtClean="0">
-              <a:latin typeface="微软雅黑" panose="020B0503020204020204" pitchFamily="34" charset="-122"/>
-              <a:ea typeface="微软雅黑" panose="020B0503020204020204" pitchFamily="34" charset="-122"/>
-            </a:endParaRPr>
-          </a:p>
-        </p:txBody>
-      </p:sp>
-      <p:pic>
-        <p:nvPicPr>
-          <p:cNvPr id="9" name="Picture 4" descr="未标题-3.png"/>
-          <p:cNvPicPr>
-            <a:picLocks noChangeAspect="1"/>
-          </p:cNvPicPr>
-          <p:nvPr userDrawn="1"/>
-        </p:nvPicPr>
-        <p:blipFill>
-          <a:blip r:embed="rId4" cstate="print">
-            <a:extLst>
-              <a:ext uri="{28A0092B-C50C-407E-A947-70E740481C1C}">
-                <a14:useLocalDpi xmlns:a14="http://schemas.microsoft.com/office/drawing/2010/main" val="0"/>
-              </a:ext>
-            </a:extLst>
-          </a:blip>
-          <a:srcRect/>
-          <a:stretch>
-            <a:fillRect/>
-          </a:stretch>
-        </p:blipFill>
-        <p:spPr bwMode="auto">
-          <a:xfrm>
-            <a:off x="7771061" y="6551043"/>
-            <a:ext cx="939850" cy="269006"/>
           </a:xfrm>
           <a:prstGeom prst="rect">
             <a:avLst/>
@@ -10036,7 +9615,7 @@
       </p:grpSpPr>
       <p:sp>
         <p:nvSpPr>
-          <p:cNvPr id="10" name="标题 9"/>
+          <p:cNvPr id="2" name="标题 1"/>
           <p:cNvSpPr>
             <a:spLocks noGrp="1"/>
           </p:cNvSpPr>
@@ -10044,252 +9623,84 @@
             <p:ph type="title"/>
           </p:nvPr>
         </p:nvSpPr>
-        <p:spPr>
-          <a:xfrm>
-            <a:off x="1" y="5022648"/>
-            <a:ext cx="9144000" cy="677108"/>
-          </a:xfrm>
-        </p:spPr>
+        <p:spPr/>
         <p:txBody>
           <a:bodyPr/>
           <a:lstStyle/>
           <a:p>
             <a:r>
-              <a:rPr lang="zh-CN" altLang="en-US" dirty="0" smtClean="0">
-                <a:solidFill>
-                  <a:schemeClr val="tx1"/>
-                </a:solidFill>
-              </a:rPr>
-              <a:t>数据挖掘平台设计</a:t>
-            </a:r>
-            <a:endParaRPr lang="zh-CN" altLang="en-US" dirty="0">
-              <a:solidFill>
-                <a:schemeClr val="tx1"/>
-              </a:solidFill>
-            </a:endParaRPr>
+              <a:rPr lang="zh-CN" altLang="en-US" dirty="0" smtClean="0"/>
+              <a:t>内容</a:t>
+            </a:r>
+            <a:endParaRPr lang="zh-CN" altLang="en-US" dirty="0"/>
           </a:p>
         </p:txBody>
       </p:sp>
       <p:sp>
         <p:nvSpPr>
-          <p:cNvPr id="11" name="文本占位符 10"/>
+          <p:cNvPr id="3" name="内容占位符 2"/>
           <p:cNvSpPr>
             <a:spLocks noGrp="1"/>
           </p:cNvSpPr>
           <p:nvPr>
-            <p:ph type="body" sz="quarter" idx="13"/>
+            <p:ph sz="quarter" idx="10"/>
           </p:nvPr>
         </p:nvSpPr>
-        <p:spPr>
-          <a:xfrm>
-            <a:off x="3983214" y="6224612"/>
-            <a:ext cx="1434606" cy="296863"/>
-          </a:xfrm>
-        </p:spPr>
+        <p:spPr/>
         <p:txBody>
           <a:bodyPr/>
           <a:lstStyle/>
           <a:p>
-            <a:fld id="{0D2BF3EC-2182-40F2-A240-A02F5201FE16}" type="datetime2">
-              <a:rPr lang="zh-CN" altLang="en-US" smtClean="0"/>
-              <a:pPr/>
-              <a:t>2017年1月16日</a:t>
-            </a:fld>
+            <a:r>
+              <a:rPr lang="zh-CN" altLang="en-US" dirty="0" smtClean="0"/>
+              <a:t>数据挖掘平台总体设计</a:t>
+            </a:r>
+            <a:endParaRPr lang="en-US" altLang="zh-CN" dirty="0" smtClean="0"/>
+          </a:p>
+          <a:p>
+            <a:r>
+              <a:rPr lang="en-US" altLang="zh-CN" dirty="0" smtClean="0"/>
+              <a:t>ETL</a:t>
+            </a:r>
+            <a:r>
+              <a:rPr lang="zh-CN" altLang="en-US" dirty="0" smtClean="0"/>
+              <a:t>设计</a:t>
+            </a:r>
+            <a:endParaRPr lang="en-US" altLang="zh-CN" dirty="0" smtClean="0"/>
+          </a:p>
+          <a:p>
+            <a:r>
+              <a:rPr lang="zh-CN" altLang="en-US" dirty="0" smtClean="0"/>
+              <a:t>数据仓库设计</a:t>
+            </a:r>
+            <a:endParaRPr lang="en-US" altLang="zh-CN" dirty="0" smtClean="0"/>
+          </a:p>
+          <a:p>
+            <a:r>
+              <a:rPr lang="zh-CN" altLang="en-US" dirty="0" smtClean="0"/>
+              <a:t>数据集市设计</a:t>
+            </a:r>
+            <a:endParaRPr lang="en-US" altLang="zh-CN" dirty="0" smtClean="0"/>
+          </a:p>
+          <a:p>
+            <a:r>
+              <a:rPr lang="zh-CN" altLang="en-US" dirty="0" smtClean="0"/>
+              <a:t>技术选型</a:t>
+            </a:r>
             <a:endParaRPr lang="zh-CN" altLang="en-US" dirty="0"/>
-          </a:p>
-        </p:txBody>
-      </p:sp>
-      <p:sp>
-        <p:nvSpPr>
-          <p:cNvPr id="8" name="矩形 7"/>
-          <p:cNvSpPr/>
-          <p:nvPr/>
-        </p:nvSpPr>
-        <p:spPr bwMode="auto">
-          <a:xfrm>
-            <a:off x="2080260" y="160020"/>
-            <a:ext cx="194310" cy="222885"/>
-          </a:xfrm>
-          <a:prstGeom prst="rect">
-            <a:avLst/>
-          </a:prstGeom>
-          <a:noFill/>
-          <a:ln>
-            <a:noFill/>
-          </a:ln>
-          <a:effectLst/>
-          <a:extLst>
-            <a:ext uri="{909E8E84-426E-40DD-AFC4-6F175D3DCCD1}">
-              <a14:hiddenFill xmlns:a14="http://schemas.microsoft.com/office/drawing/2010/main">
-                <a:solidFill>
-                  <a:schemeClr val="accent1"/>
-                </a:solidFill>
-              </a14:hiddenFill>
-            </a:ext>
-            <a:ext uri="{91240B29-F687-4F45-9708-019B960494DF}">
-              <a14:hiddenLine xmlns:a14="http://schemas.microsoft.com/office/drawing/2010/main" w="9525" cap="flat" cmpd="sng" algn="ctr">
-                <a:solidFill>
-                  <a:schemeClr val="tx1"/>
-                </a:solidFill>
-                <a:prstDash val="solid"/>
-                <a:round/>
-                <a:headEnd type="none" w="med" len="med"/>
-                <a:tailEnd type="none" w="med" len="med"/>
-              </a14:hiddenLine>
-            </a:ext>
-            <a:ext uri="{AF507438-7753-43E0-B8FC-AC1667EBCBE1}">
-              <a14:hiddenEffects xmlns:a14="http://schemas.microsoft.com/office/drawing/2010/main">
-                <a:effectLst>
-                  <a:outerShdw dist="35921" dir="2700000" algn="ctr" rotWithShape="0">
-                    <a:schemeClr val="bg2"/>
-                  </a:outerShdw>
-                </a:effectLst>
-              </a14:hiddenEffects>
-            </a:ext>
-          </a:extLst>
-        </p:spPr>
-        <p:txBody>
-          <a:bodyPr vert="horz" wrap="square" lIns="91440" tIns="45720" rIns="91440" bIns="45720" numCol="1" rtlCol="0" anchor="t" anchorCtr="0" compatLnSpc="1">
-            <a:prstTxWarp prst="textNoShape">
-              <a:avLst/>
-            </a:prstTxWarp>
-          </a:bodyPr>
-          <a:lstStyle/>
-          <a:p>
-            <a:pPr marL="0" marR="0" indent="0" algn="l" defTabSz="914400" rtl="0" eaLnBrk="1" fontAlgn="base" latinLnBrk="0" hangingPunct="1">
-              <a:lnSpc>
-                <a:spcPct val="100000"/>
-              </a:lnSpc>
-              <a:spcBef>
-                <a:spcPct val="0"/>
-              </a:spcBef>
-              <a:spcAft>
-                <a:spcPct val="0"/>
-              </a:spcAft>
-              <a:buClr>
-                <a:srgbClr val="CC9900"/>
-              </a:buClr>
-              <a:buSzTx/>
-              <a:buFont typeface="Wingdings" pitchFamily="2" charset="2"/>
-              <a:buChar char="n"/>
-              <a:tabLst/>
-            </a:pPr>
-            <a:endParaRPr kumimoji="0" lang="zh-CN" altLang="en-US" sz="1800" b="0" i="0" u="none" strike="noStrike" cap="none" normalizeH="0" baseline="0" smtClean="0">
-              <a:ln>
-                <a:noFill/>
-              </a:ln>
-              <a:solidFill>
-                <a:schemeClr val="tx1"/>
-              </a:solidFill>
-              <a:effectLst/>
-              <a:latin typeface="Arial" charset="0"/>
-              <a:ea typeface="宋体" charset="-122"/>
-            </a:endParaRPr>
-          </a:p>
-        </p:txBody>
-      </p:sp>
-      <p:sp>
-        <p:nvSpPr>
-          <p:cNvPr id="9" name="矩形 8"/>
-          <p:cNvSpPr/>
-          <p:nvPr/>
-        </p:nvSpPr>
-        <p:spPr bwMode="auto">
-          <a:xfrm>
-            <a:off x="1988820" y="160020"/>
-            <a:ext cx="188595" cy="222885"/>
-          </a:xfrm>
-          <a:prstGeom prst="rect">
-            <a:avLst/>
-          </a:prstGeom>
-          <a:noFill/>
-          <a:ln>
-            <a:noFill/>
-          </a:ln>
-          <a:effectLst/>
-          <a:extLst>
-            <a:ext uri="{909E8E84-426E-40DD-AFC4-6F175D3DCCD1}">
-              <a14:hiddenFill xmlns:a14="http://schemas.microsoft.com/office/drawing/2010/main">
-                <a:solidFill>
-                  <a:schemeClr val="accent1"/>
-                </a:solidFill>
-              </a14:hiddenFill>
-            </a:ext>
-            <a:ext uri="{91240B29-F687-4F45-9708-019B960494DF}">
-              <a14:hiddenLine xmlns:a14="http://schemas.microsoft.com/office/drawing/2010/main" w="9525" cap="flat" cmpd="sng" algn="ctr">
-                <a:solidFill>
-                  <a:schemeClr val="tx1"/>
-                </a:solidFill>
-                <a:prstDash val="solid"/>
-                <a:round/>
-                <a:headEnd type="none" w="med" len="med"/>
-                <a:tailEnd type="none" w="med" len="med"/>
-              </a14:hiddenLine>
-            </a:ext>
-            <a:ext uri="{AF507438-7753-43E0-B8FC-AC1667EBCBE1}">
-              <a14:hiddenEffects xmlns:a14="http://schemas.microsoft.com/office/drawing/2010/main">
-                <a:effectLst>
-                  <a:outerShdw dist="35921" dir="2700000" algn="ctr" rotWithShape="0">
-                    <a:schemeClr val="bg2"/>
-                  </a:outerShdw>
-                </a:effectLst>
-              </a14:hiddenEffects>
-            </a:ext>
-          </a:extLst>
-        </p:spPr>
-        <p:txBody>
-          <a:bodyPr vert="horz" wrap="square" lIns="91440" tIns="45720" rIns="91440" bIns="45720" numCol="1" rtlCol="0" anchor="t" anchorCtr="0" compatLnSpc="1">
-            <a:prstTxWarp prst="textNoShape">
-              <a:avLst/>
-            </a:prstTxWarp>
-          </a:bodyPr>
-          <a:lstStyle/>
-          <a:p>
-            <a:pPr marL="0" marR="0" indent="0" algn="l" defTabSz="914400" rtl="0" eaLnBrk="1" fontAlgn="base" latinLnBrk="0" hangingPunct="1">
-              <a:lnSpc>
-                <a:spcPct val="100000"/>
-              </a:lnSpc>
-              <a:spcBef>
-                <a:spcPct val="0"/>
-              </a:spcBef>
-              <a:spcAft>
-                <a:spcPct val="0"/>
-              </a:spcAft>
-              <a:buClr>
-                <a:srgbClr val="CC9900"/>
-              </a:buClr>
-              <a:buSzTx/>
-              <a:buFont typeface="Wingdings" pitchFamily="2" charset="2"/>
-              <a:buChar char="n"/>
-              <a:tabLst/>
-            </a:pPr>
-            <a:endParaRPr kumimoji="0" lang="zh-CN" altLang="en-US" sz="1800" b="0" i="0" u="none" strike="noStrike" cap="none" normalizeH="0" baseline="0" smtClean="0">
-              <a:ln>
-                <a:noFill/>
-              </a:ln>
-              <a:solidFill>
-                <a:schemeClr val="tx1"/>
-              </a:solidFill>
-              <a:effectLst/>
-              <a:latin typeface="Arial" charset="0"/>
-              <a:ea typeface="宋体" charset="-122"/>
-            </a:endParaRPr>
           </a:p>
         </p:txBody>
       </p:sp>
     </p:spTree>
+    <p:extLst>
+      <p:ext uri="{BB962C8B-B14F-4D97-AF65-F5344CB8AC3E}">
+        <p14:creationId xmlns:p14="http://schemas.microsoft.com/office/powerpoint/2010/main" val="547418806"/>
+      </p:ext>
+    </p:extLst>
   </p:cSld>
   <p:clrMapOvr>
     <a:masterClrMapping/>
   </p:clrMapOvr>
-  <mc:AlternateContent xmlns:mc="http://schemas.openxmlformats.org/markup-compatibility/2006" xmlns:p14="http://schemas.microsoft.com/office/powerpoint/2010/main">
-    <mc:Choice Requires="p14">
-      <p:transition p14:dur="10" advClick="0" advTm="8000"/>
-    </mc:Choice>
-    <mc:Fallback xmlns="">
-      <p:transition advClick="0" advTm="8000"/>
-    </mc:Fallback>
-  </mc:AlternateContent>
   <p:timing>
     <p:tnLst>
       <p:par>
@@ -10365,28 +9776,12 @@
           <a:p>
             <a:pPr lvl="1"/>
             <a:r>
-              <a:rPr lang="en-US" altLang="zh-CN" dirty="0" smtClean="0">
+              <a:rPr lang="en-US" altLang="zh-CN" dirty="0">
                 <a:solidFill>
                   <a:srgbClr val="FF0000"/>
                 </a:solidFill>
               </a:rPr>
-              <a:t>Spark</a:t>
-            </a:r>
-            <a:r>
-              <a:rPr lang="zh-CN" altLang="en-US" dirty="0" smtClean="0">
-                <a:solidFill>
-                  <a:srgbClr val="FF0000"/>
-                </a:solidFill>
-              </a:rPr>
-              <a:t> </a:t>
-            </a:r>
-            <a:r>
-              <a:rPr lang="en-US" altLang="zh-CN" dirty="0" smtClean="0">
-                <a:solidFill>
-                  <a:srgbClr val="FF0000"/>
-                </a:solidFill>
-              </a:rPr>
-              <a:t>SQL</a:t>
+              <a:t>presto</a:t>
             </a:r>
             <a:r>
               <a:rPr lang="zh-CN" altLang="en-US" dirty="0" smtClean="0">
@@ -10406,15 +9801,23 @@
             <a:pPr lvl="2"/>
             <a:r>
               <a:rPr lang="zh-CN" altLang="en-US" dirty="0" smtClean="0"/>
-              <a:t>通用</a:t>
+              <a:t>纯内存设计，所以没有容错，一个</a:t>
+            </a:r>
+            <a:r>
+              <a:rPr lang="en-US" altLang="zh-CN" dirty="0" smtClean="0"/>
+              <a:t>task</a:t>
             </a:r>
             <a:r>
               <a:rPr lang="zh-CN" altLang="en-US" dirty="0" smtClean="0"/>
-              <a:t>框架</a:t>
+              <a:t>失败，整个</a:t>
+            </a:r>
+            <a:r>
+              <a:rPr lang="en-US" altLang="zh-CN" dirty="0" smtClean="0"/>
+              <a:t>job</a:t>
             </a:r>
             <a:r>
               <a:rPr lang="zh-CN" altLang="en-US" dirty="0" smtClean="0"/>
-              <a:t>，社区成熟。</a:t>
+              <a:t>会失败。</a:t>
             </a:r>
             <a:endParaRPr lang="en-US" altLang="zh-CN" dirty="0" smtClean="0"/>
           </a:p>
@@ -10422,15 +9825,31 @@
             <a:pPr lvl="2"/>
             <a:r>
               <a:rPr lang="zh-CN" altLang="en-US" dirty="0" smtClean="0"/>
-              <a:t>版本升级频繁，</a:t>
+              <a:t>目前公司的设计可以用</a:t>
+            </a:r>
+            <a:r>
+              <a:rPr lang="en-US" altLang="zh-CN" dirty="0" err="1" smtClean="0"/>
+              <a:t>ElasticSearch+presto</a:t>
+            </a:r>
+            <a:r>
+              <a:rPr lang="zh-CN" altLang="en-US" dirty="0" smtClean="0"/>
+              <a:t>，把聚合放在</a:t>
             </a:r>
             <a:r>
               <a:rPr lang="en-US" altLang="zh-CN" dirty="0" smtClean="0"/>
-              <a:t>api</a:t>
+              <a:t>presto</a:t>
             </a:r>
             <a:r>
               <a:rPr lang="zh-CN" altLang="en-US" dirty="0" smtClean="0"/>
-              <a:t>变化很大。</a:t>
+              <a:t>中会大大减轻</a:t>
+            </a:r>
+            <a:r>
+              <a:rPr lang="en-US" altLang="zh-CN" dirty="0" smtClean="0"/>
+              <a:t>ES</a:t>
+            </a:r>
+            <a:r>
+              <a:rPr lang="zh-CN" altLang="en-US" dirty="0" smtClean="0"/>
+              <a:t>的压力。</a:t>
             </a:r>
             <a:endParaRPr lang="en-US" altLang="zh-CN" dirty="0" smtClean="0"/>
           </a:p>
@@ -10438,334 +9857,26 @@
             <a:pPr lvl="2"/>
             <a:r>
               <a:rPr lang="zh-CN" altLang="en-US" dirty="0" smtClean="0"/>
-              <a:t>解决的问题是分布式</a:t>
+              <a:t>需要注意调整内存相关的参数，否则容易</a:t>
             </a:r>
             <a:r>
               <a:rPr lang="en-US" altLang="zh-CN" dirty="0" smtClean="0"/>
-              <a:t>SQL</a:t>
+              <a:t>OOM</a:t>
             </a:r>
             <a:r>
               <a:rPr lang="zh-CN" altLang="en-US" dirty="0" smtClean="0"/>
-              <a:t>查询，但是没有解决数据加载问题，所以性能一般，但是</a:t>
-            </a:r>
-            <a:r>
-              <a:rPr lang="en-US" altLang="zh-CN" dirty="0" smtClean="0"/>
-              <a:t>Spark2.1.0</a:t>
-            </a:r>
-            <a:r>
-              <a:rPr lang="zh-CN" altLang="en-US" dirty="0" smtClean="0"/>
-              <a:t>版本性能有所提升，需要考虑。</a:t>
+              <a:t>。</a:t>
             </a:r>
             <a:endParaRPr lang="en-US" altLang="zh-CN" dirty="0" smtClean="0"/>
           </a:p>
           <a:p>
             <a:pPr lvl="2"/>
-            <a:r>
-              <a:rPr lang="en-US" altLang="zh-CN" dirty="0" smtClean="0"/>
-              <a:t>2.1.0</a:t>
-            </a:r>
-            <a:r>
-              <a:rPr lang="zh-CN" altLang="en-US" dirty="0" smtClean="0"/>
-              <a:t>容错性有待检验，</a:t>
-            </a:r>
             <a:r>
               <a:rPr lang="en-US" altLang="zh-CN" dirty="0" smtClean="0"/>
               <a:t>benchmark</a:t>
             </a:r>
             <a:r>
               <a:rPr lang="zh-CN" altLang="en-US" dirty="0" smtClean="0"/>
-              <a:t>过程中个别</a:t>
-            </a:r>
-            <a:r>
-              <a:rPr lang="en-US" altLang="zh-CN" dirty="0" smtClean="0"/>
-              <a:t>task</a:t>
-            </a:r>
-            <a:r>
-              <a:rPr lang="zh-CN" altLang="en-US" dirty="0" smtClean="0"/>
-              <a:t>失败，整个</a:t>
-            </a:r>
-            <a:r>
-              <a:rPr lang="en-US" altLang="zh-CN" dirty="0" smtClean="0"/>
-              <a:t>job</a:t>
-            </a:r>
-            <a:r>
-              <a:rPr lang="zh-CN" altLang="en-US" dirty="0" smtClean="0"/>
-              <a:t>会</a:t>
-            </a:r>
-            <a:r>
-              <a:rPr lang="en-US" altLang="zh-CN" dirty="0" smtClean="0"/>
-              <a:t>hang</a:t>
-            </a:r>
-            <a:r>
-              <a:rPr lang="zh-CN" altLang="en-US" dirty="0" smtClean="0"/>
-              <a:t>住，待分析。</a:t>
-            </a:r>
-            <a:endParaRPr lang="en-US" altLang="zh-CN" dirty="0"/>
-          </a:p>
-          <a:p>
-            <a:pPr lvl="2"/>
-            <a:r>
-              <a:rPr lang="en-US" altLang="zh-CN" dirty="0" smtClean="0"/>
-              <a:t>Spark</a:t>
-            </a:r>
-            <a:r>
-              <a:rPr lang="zh-CN" altLang="en-US" dirty="0" smtClean="0"/>
-              <a:t>社区主推。</a:t>
-            </a:r>
-            <a:endParaRPr lang="en-US" altLang="zh-CN" dirty="0"/>
-          </a:p>
-        </p:txBody>
-      </p:sp>
-      <p:pic>
-        <p:nvPicPr>
-          <p:cNvPr id="4098" name="Picture 2"/>
-          <p:cNvPicPr>
-            <a:picLocks noChangeAspect="1" noChangeArrowheads="1"/>
-          </p:cNvPicPr>
-          <p:nvPr/>
-        </p:nvPicPr>
-        <p:blipFill>
-          <a:blip r:embed="rId3">
-            <a:extLst>
-              <a:ext uri="{28A0092B-C50C-407E-A947-70E740481C1C}">
-                <a14:useLocalDpi xmlns:a14="http://schemas.microsoft.com/office/drawing/2010/main" val="0"/>
-              </a:ext>
-            </a:extLst>
-          </a:blip>
-          <a:srcRect/>
-          <a:stretch>
-            <a:fillRect/>
-          </a:stretch>
-        </p:blipFill>
-        <p:spPr bwMode="auto">
-          <a:xfrm>
-            <a:off x="69261" y="4363821"/>
-            <a:ext cx="8926820" cy="2039249"/>
-          </a:xfrm>
-          <a:prstGeom prst="rect">
-            <a:avLst/>
-          </a:prstGeom>
-          <a:noFill/>
-          <a:ln>
-            <a:noFill/>
-          </a:ln>
-          <a:effectLst/>
-          <a:extLst>
-            <a:ext uri="{909E8E84-426E-40DD-AFC4-6F175D3DCCD1}">
-              <a14:hiddenFill xmlns:a14="http://schemas.microsoft.com/office/drawing/2010/main">
-                <a:solidFill>
-                  <a:schemeClr val="accent1"/>
-                </a:solidFill>
-              </a14:hiddenFill>
-            </a:ext>
-            <a:ext uri="{91240B29-F687-4F45-9708-019B960494DF}">
-              <a14:hiddenLine xmlns:a14="http://schemas.microsoft.com/office/drawing/2010/main" w="9525">
-                <a:solidFill>
-                  <a:schemeClr val="tx1"/>
-                </a:solidFill>
-                <a:miter lim="800000"/>
-                <a:headEnd/>
-                <a:tailEnd/>
-              </a14:hiddenLine>
-            </a:ext>
-            <a:ext uri="{AF507438-7753-43E0-B8FC-AC1667EBCBE1}">
-              <a14:hiddenEffects xmlns:a14="http://schemas.microsoft.com/office/drawing/2010/main">
-                <a:effectLst>
-                  <a:outerShdw dist="35921" dir="2700000" algn="ctr" rotWithShape="0">
-                    <a:schemeClr val="bg2"/>
-                  </a:outerShdw>
-                </a:effectLst>
-              </a14:hiddenEffects>
-            </a:ext>
-          </a:extLst>
-        </p:spPr>
-      </p:pic>
-    </p:spTree>
-    <p:extLst>
-      <p:ext uri="{BB962C8B-B14F-4D97-AF65-F5344CB8AC3E}">
-        <p14:creationId xmlns:p14="http://schemas.microsoft.com/office/powerpoint/2010/main" val="4240798596"/>
-      </p:ext>
-    </p:extLst>
-  </p:cSld>
-  <p:clrMapOvr>
-    <a:masterClrMapping/>
-  </p:clrMapOvr>
-  <p:timing>
-    <p:tnLst>
-      <p:par>
-        <p:cTn id="1" dur="indefinite" restart="never" nodeType="tmRoot"/>
-      </p:par>
-    </p:tnLst>
-  </p:timing>
-</p:sld>
-</file>
-
-<file path=ppt/slides/slide11.xml><?xml version="1.0" encoding="utf-8"?>
-<p:sld xmlns:a="http://schemas.openxmlformats.org/drawingml/2006/main" xmlns:r="http://schemas.openxmlformats.org/officeDocument/2006/relationships" xmlns:p="http://schemas.openxmlformats.org/presentationml/2006/main">
-  <p:cSld>
-    <p:spTree>
-      <p:nvGrpSpPr>
-        <p:cNvPr id="1" name=""/>
-        <p:cNvGrpSpPr/>
-        <p:nvPr/>
-      </p:nvGrpSpPr>
-      <p:grpSpPr>
-        <a:xfrm>
-          <a:off x="0" y="0"/>
-          <a:ext cx="0" cy="0"/>
-          <a:chOff x="0" y="0"/>
-          <a:chExt cx="0" cy="0"/>
-        </a:xfrm>
-      </p:grpSpPr>
-      <p:sp>
-        <p:nvSpPr>
-          <p:cNvPr id="2" name="标题 1"/>
-          <p:cNvSpPr>
-            <a:spLocks noGrp="1"/>
-          </p:cNvSpPr>
-          <p:nvPr>
-            <p:ph type="title"/>
-          </p:nvPr>
-        </p:nvSpPr>
-        <p:spPr/>
-        <p:txBody>
-          <a:bodyPr/>
-          <a:lstStyle/>
-          <a:p>
-            <a:r>
-              <a:rPr lang="zh-CN" altLang="en-US" dirty="0" smtClean="0"/>
-              <a:t>数据仓库设计</a:t>
-            </a:r>
-            <a:r>
-              <a:rPr lang="en-US" altLang="zh-CN" dirty="0" smtClean="0"/>
-              <a:t>-SQL</a:t>
-            </a:r>
-            <a:r>
-              <a:rPr lang="zh-CN" altLang="en-US" dirty="0" smtClean="0"/>
-              <a:t>引擎</a:t>
-            </a:r>
-            <a:endParaRPr lang="zh-CN" altLang="en-US" dirty="0"/>
-          </a:p>
-        </p:txBody>
-      </p:sp>
-      <p:sp>
-        <p:nvSpPr>
-          <p:cNvPr id="3" name="内容占位符 2"/>
-          <p:cNvSpPr>
-            <a:spLocks noGrp="1"/>
-          </p:cNvSpPr>
-          <p:nvPr>
-            <p:ph sz="quarter" idx="10"/>
-          </p:nvPr>
-        </p:nvSpPr>
-        <p:spPr/>
-        <p:txBody>
-          <a:bodyPr/>
-          <a:lstStyle/>
-          <a:p>
-            <a:pPr lvl="1"/>
-            <a:r>
-              <a:rPr lang="en-US" altLang="zh-CN" dirty="0">
-                <a:solidFill>
-                  <a:srgbClr val="FF0000"/>
-                </a:solidFill>
-              </a:rPr>
-              <a:t>presto</a:t>
-            </a:r>
-            <a:r>
-              <a:rPr lang="zh-CN" altLang="en-US" dirty="0" smtClean="0">
-                <a:solidFill>
-                  <a:srgbClr val="FF0000"/>
-                </a:solidFill>
-              </a:rPr>
-              <a:t>：</a:t>
-            </a:r>
-            <a:endParaRPr lang="en-US" altLang="zh-CN" dirty="0" smtClean="0">
-              <a:solidFill>
-                <a:srgbClr val="FF0000"/>
-              </a:solidFill>
-            </a:endParaRPr>
-          </a:p>
-          <a:p>
-            <a:pPr lvl="2"/>
-            <a:r>
-              <a:rPr lang="zh-CN" altLang="en-US" dirty="0" smtClean="0"/>
-              <a:t>纯内存设计，所以没有容错，一个</a:t>
-            </a:r>
-            <a:r>
-              <a:rPr lang="en-US" altLang="zh-CN" dirty="0" smtClean="0"/>
-              <a:t>task</a:t>
-            </a:r>
-            <a:r>
-              <a:rPr lang="zh-CN" altLang="en-US" dirty="0" smtClean="0"/>
-              <a:t>失败，整个</a:t>
-            </a:r>
-            <a:r>
-              <a:rPr lang="en-US" altLang="zh-CN" dirty="0" smtClean="0"/>
-              <a:t>job</a:t>
-            </a:r>
-            <a:r>
-              <a:rPr lang="zh-CN" altLang="en-US" dirty="0" smtClean="0"/>
-              <a:t>会失败。</a:t>
-            </a:r>
-            <a:endParaRPr lang="en-US" altLang="zh-CN" dirty="0" smtClean="0"/>
-          </a:p>
-          <a:p>
-            <a:pPr lvl="2"/>
-            <a:r>
-              <a:rPr lang="zh-CN" altLang="en-US" dirty="0" smtClean="0"/>
-              <a:t>目前公司的设计可以用</a:t>
-            </a:r>
-            <a:r>
-              <a:rPr lang="en-US" altLang="zh-CN" dirty="0" err="1" smtClean="0"/>
-              <a:t>ElasticSearch+presto</a:t>
-            </a:r>
-            <a:r>
-              <a:rPr lang="zh-CN" altLang="en-US" dirty="0" smtClean="0"/>
-              <a:t>，把聚合放在</a:t>
-            </a:r>
-            <a:r>
-              <a:rPr lang="en-US" altLang="zh-CN" dirty="0" smtClean="0"/>
-              <a:t>presto</a:t>
-            </a:r>
-            <a:r>
-              <a:rPr lang="zh-CN" altLang="en-US" dirty="0" smtClean="0"/>
-              <a:t>中会大大减轻</a:t>
-            </a:r>
-            <a:r>
-              <a:rPr lang="en-US" altLang="zh-CN" dirty="0" smtClean="0"/>
-              <a:t>ES</a:t>
-            </a:r>
-            <a:r>
-              <a:rPr lang="zh-CN" altLang="en-US" dirty="0" smtClean="0"/>
-              <a:t>的压力。</a:t>
-            </a:r>
-            <a:endParaRPr lang="en-US" altLang="zh-CN" dirty="0" smtClean="0"/>
-          </a:p>
-          <a:p>
-            <a:pPr lvl="2"/>
-            <a:r>
-              <a:rPr lang="zh-CN" altLang="en-US" dirty="0" smtClean="0"/>
-              <a:t>需要注意调整内存相关的参数，否则容易</a:t>
-            </a:r>
-            <a:r>
-              <a:rPr lang="en-US" altLang="zh-CN" dirty="0" smtClean="0"/>
-              <a:t>OOM</a:t>
-            </a:r>
-            <a:r>
-              <a:rPr lang="zh-CN" altLang="en-US" dirty="0" smtClean="0"/>
-              <a:t>。</a:t>
-            </a:r>
-            <a:endParaRPr lang="en-US" altLang="zh-CN" dirty="0" smtClean="0"/>
-          </a:p>
-          <a:p>
-            <a:pPr lvl="2"/>
-            <a:r>
-              <a:rPr lang="en-US" altLang="zh-CN" dirty="0" smtClean="0"/>
-              <a:t>benchmark</a:t>
-            </a:r>
-            <a:r>
-              <a:rPr lang="zh-CN" altLang="en-US" dirty="0" smtClean="0"/>
               <a:t>性能非常好。</a:t>
             </a:r>
             <a:endParaRPr lang="en-US" altLang="zh-CN" dirty="0" smtClean="0"/>
@@ -10794,11 +9905,7 @@
             </a:r>
             <a:r>
               <a:rPr lang="zh-CN" altLang="en-US" dirty="0" smtClean="0"/>
-              <a:t>和关系型数据库，</a:t>
-            </a:r>
-            <a:r>
-              <a:rPr lang="zh-CN" altLang="en-US" dirty="0" smtClean="0"/>
-              <a:t>支持标准</a:t>
+              <a:t>和关系型数据库，支持标准</a:t>
             </a:r>
             <a:r>
               <a:rPr lang="en-US" altLang="zh-CN" dirty="0" smtClean="0"/>
@@ -10908,6 +10015,207 @@
 </p:sld>
 </file>
 
+<file path=ppt/slides/slide11.xml><?xml version="1.0" encoding="utf-8"?>
+<p:sld xmlns:a="http://schemas.openxmlformats.org/drawingml/2006/main" xmlns:r="http://schemas.openxmlformats.org/officeDocument/2006/relationships" xmlns:p="http://schemas.openxmlformats.org/presentationml/2006/main">
+  <p:cSld>
+    <p:spTree>
+      <p:nvGrpSpPr>
+        <p:cNvPr id="1" name=""/>
+        <p:cNvGrpSpPr/>
+        <p:nvPr/>
+      </p:nvGrpSpPr>
+      <p:grpSpPr>
+        <a:xfrm>
+          <a:off x="0" y="0"/>
+          <a:ext cx="0" cy="0"/>
+          <a:chOff x="0" y="0"/>
+          <a:chExt cx="0" cy="0"/>
+        </a:xfrm>
+      </p:grpSpPr>
+      <p:sp>
+        <p:nvSpPr>
+          <p:cNvPr id="2" name="标题 1"/>
+          <p:cNvSpPr>
+            <a:spLocks noGrp="1"/>
+          </p:cNvSpPr>
+          <p:nvPr>
+            <p:ph type="title"/>
+          </p:nvPr>
+        </p:nvSpPr>
+        <p:spPr/>
+        <p:txBody>
+          <a:bodyPr/>
+          <a:lstStyle/>
+          <a:p>
+            <a:r>
+              <a:rPr lang="zh-CN" altLang="en-US" dirty="0" smtClean="0"/>
+              <a:t>数据仓库设计</a:t>
+            </a:r>
+            <a:r>
+              <a:rPr lang="en-US" altLang="zh-CN" dirty="0" smtClean="0"/>
+              <a:t>-SQL</a:t>
+            </a:r>
+            <a:r>
+              <a:rPr lang="zh-CN" altLang="en-US" dirty="0" smtClean="0"/>
+              <a:t>引擎</a:t>
+            </a:r>
+            <a:r>
+              <a:rPr lang="zh-CN" altLang="en-US" dirty="0"/>
+              <a:t>个人</a:t>
+            </a:r>
+            <a:r>
+              <a:rPr lang="zh-CN" altLang="en-US" dirty="0" smtClean="0"/>
+              <a:t>总结</a:t>
+            </a:r>
+            <a:endParaRPr lang="zh-CN" altLang="en-US" dirty="0"/>
+          </a:p>
+        </p:txBody>
+      </p:sp>
+      <p:sp>
+        <p:nvSpPr>
+          <p:cNvPr id="3" name="内容占位符 2"/>
+          <p:cNvSpPr>
+            <a:spLocks noGrp="1"/>
+          </p:cNvSpPr>
+          <p:nvPr>
+            <p:ph sz="quarter" idx="10"/>
+          </p:nvPr>
+        </p:nvSpPr>
+        <p:spPr/>
+        <p:txBody>
+          <a:bodyPr/>
+          <a:lstStyle/>
+          <a:p>
+            <a:r>
+              <a:rPr lang="en-US" dirty="0"/>
+              <a:t>从成熟度来讲</a:t>
+            </a:r>
+            <a:r>
+              <a:rPr lang="en-US" dirty="0" smtClean="0"/>
+              <a:t>：</a:t>
+            </a:r>
+          </a:p>
+          <a:p>
+            <a:pPr marL="0" indent="0">
+              <a:buNone/>
+            </a:pPr>
+            <a:r>
+              <a:rPr lang="en-US" dirty="0" err="1" smtClean="0"/>
+              <a:t>kylin</a:t>
+            </a:r>
+            <a:r>
+              <a:rPr lang="en-US" dirty="0" smtClean="0"/>
+              <a:t>&gt;</a:t>
+            </a:r>
+            <a:r>
+              <a:rPr lang="en-US" altLang="zh-CN" dirty="0" smtClean="0"/>
+              <a:t>impala&gt;</a:t>
+            </a:r>
+            <a:r>
+              <a:rPr lang="en-US" dirty="0" smtClean="0"/>
+              <a:t>spark </a:t>
+            </a:r>
+            <a:r>
+              <a:rPr lang="en-US" dirty="0" err="1" smtClean="0"/>
+              <a:t>sql</a:t>
+            </a:r>
+            <a:r>
+              <a:rPr lang="en-US" dirty="0" smtClean="0"/>
+              <a:t>&gt;Druid&gt;presto</a:t>
+            </a:r>
+          </a:p>
+          <a:p>
+            <a:endParaRPr lang="en-US" dirty="0" smtClean="0"/>
+          </a:p>
+          <a:p>
+            <a:r>
+              <a:rPr lang="en-US" dirty="0" smtClean="0"/>
+              <a:t>从超大数据的查询效率来看：</a:t>
+            </a:r>
+          </a:p>
+          <a:p>
+            <a:pPr marL="0" indent="0">
+              <a:buNone/>
+            </a:pPr>
+            <a:r>
+              <a:rPr lang="en-US" dirty="0" smtClean="0"/>
+              <a:t>Druid&gt;</a:t>
+            </a:r>
+            <a:r>
+              <a:rPr lang="en-US" dirty="0" err="1" smtClean="0"/>
+              <a:t>kylin</a:t>
+            </a:r>
+            <a:r>
+              <a:rPr lang="en-US" dirty="0" smtClean="0"/>
+              <a:t>&gt;presto&gt;impala&gt;spark </a:t>
+            </a:r>
+            <a:r>
+              <a:rPr lang="en-US" dirty="0" err="1" smtClean="0"/>
+              <a:t>sql</a:t>
+            </a:r>
+            <a:endParaRPr lang="en-US" dirty="0" smtClean="0"/>
+          </a:p>
+          <a:p>
+            <a:endParaRPr lang="en-US" dirty="0" smtClean="0"/>
+          </a:p>
+          <a:p>
+            <a:r>
+              <a:rPr lang="en-US" dirty="0" err="1" smtClean="0"/>
+              <a:t>从支持的数据源种类来讲</a:t>
+            </a:r>
+            <a:r>
+              <a:rPr lang="en-US" dirty="0" smtClean="0"/>
+              <a:t>：</a:t>
+            </a:r>
+          </a:p>
+          <a:p>
+            <a:pPr marL="0" indent="0">
+              <a:buNone/>
+            </a:pPr>
+            <a:r>
+              <a:rPr lang="en-US" dirty="0" smtClean="0"/>
+              <a:t>presto&gt;spark </a:t>
+            </a:r>
+            <a:r>
+              <a:rPr lang="en-US" dirty="0" err="1" smtClean="0"/>
+              <a:t>sql</a:t>
+            </a:r>
+            <a:r>
+              <a:rPr lang="en-US" dirty="0" smtClean="0"/>
+              <a:t>&gt;impala&gt;</a:t>
+            </a:r>
+            <a:r>
+              <a:rPr lang="en-US" dirty="0" err="1" smtClean="0"/>
+              <a:t>kylin</a:t>
+            </a:r>
+            <a:r>
+              <a:rPr lang="en-US" dirty="0" smtClean="0"/>
+              <a:t>&gt;Druid</a:t>
+            </a:r>
+            <a:endParaRPr lang="zh-CN" altLang="en-US" dirty="0"/>
+          </a:p>
+        </p:txBody>
+      </p:sp>
+    </p:spTree>
+    <p:extLst>
+      <p:ext uri="{BB962C8B-B14F-4D97-AF65-F5344CB8AC3E}">
+        <p14:creationId xmlns:p14="http://schemas.microsoft.com/office/powerpoint/2010/main" val="1790887486"/>
+      </p:ext>
+    </p:extLst>
+  </p:cSld>
+  <p:clrMapOvr>
+    <a:masterClrMapping/>
+  </p:clrMapOvr>
+  <p:timing>
+    <p:tnLst>
+      <p:par>
+        <p:cTn id="1" dur="indefinite" restart="never" nodeType="tmRoot"/>
+      </p:par>
+    </p:tnLst>
+  </p:timing>
+</p:sld>
+</file>
+
 <file path=ppt/slides/slide12.xml><?xml version="1.0" encoding="utf-8"?>
 <p:sld xmlns:a="http://schemas.openxmlformats.org/drawingml/2006/main" xmlns:r="http://schemas.openxmlformats.org/officeDocument/2006/relationships" xmlns:p="http://schemas.openxmlformats.org/presentationml/2006/main">
   <p:cSld>
@@ -10942,215 +10250,6 @@
           <a:p>
             <a:r>
               <a:rPr lang="zh-CN" altLang="en-US" dirty="0" smtClean="0"/>
-              <a:t>数据仓库设计</a:t>
-            </a:r>
-            <a:r>
-              <a:rPr lang="en-US" altLang="zh-CN" dirty="0" smtClean="0"/>
-              <a:t>-SQL</a:t>
-            </a:r>
-            <a:r>
-              <a:rPr lang="zh-CN" altLang="en-US" dirty="0" smtClean="0"/>
-              <a:t>引擎</a:t>
-            </a:r>
-            <a:r>
-              <a:rPr lang="zh-CN" altLang="en-US" dirty="0"/>
-              <a:t>个人</a:t>
-            </a:r>
-            <a:r>
-              <a:rPr lang="zh-CN" altLang="en-US" dirty="0" smtClean="0"/>
-              <a:t>总结</a:t>
-            </a:r>
-            <a:endParaRPr lang="zh-CN" altLang="en-US" dirty="0"/>
-          </a:p>
-        </p:txBody>
-      </p:sp>
-      <p:sp>
-        <p:nvSpPr>
-          <p:cNvPr id="3" name="内容占位符 2"/>
-          <p:cNvSpPr>
-            <a:spLocks noGrp="1"/>
-          </p:cNvSpPr>
-          <p:nvPr>
-            <p:ph sz="quarter" idx="10"/>
-          </p:nvPr>
-        </p:nvSpPr>
-        <p:spPr/>
-        <p:txBody>
-          <a:bodyPr/>
-          <a:lstStyle/>
-          <a:p>
-            <a:r>
-              <a:rPr lang="en-US" dirty="0"/>
-              <a:t>从成熟度来讲</a:t>
-            </a:r>
-            <a:r>
-              <a:rPr lang="en-US" dirty="0" smtClean="0"/>
-              <a:t>：</a:t>
-            </a:r>
-          </a:p>
-          <a:p>
-            <a:pPr marL="0" indent="0">
-              <a:buNone/>
-            </a:pPr>
-            <a:r>
-              <a:rPr lang="en-US" dirty="0" err="1" smtClean="0"/>
-              <a:t>kylin</a:t>
-            </a:r>
-            <a:r>
-              <a:rPr lang="en-US" dirty="0" smtClean="0"/>
-              <a:t>&gt;</a:t>
-            </a:r>
-            <a:r>
-              <a:rPr lang="en-US" altLang="zh-CN" dirty="0" smtClean="0"/>
-              <a:t>impala&gt;</a:t>
-            </a:r>
-            <a:r>
-              <a:rPr lang="en-US" dirty="0" smtClean="0"/>
-              <a:t>spark </a:t>
-            </a:r>
-            <a:r>
-              <a:rPr lang="en-US" dirty="0" err="1" smtClean="0"/>
-              <a:t>sql</a:t>
-            </a:r>
-            <a:r>
-              <a:rPr lang="en-US" dirty="0" smtClean="0"/>
-              <a:t>&gt;Druid&gt;presto</a:t>
-            </a:r>
-          </a:p>
-          <a:p>
-            <a:endParaRPr lang="en-US" dirty="0" smtClean="0"/>
-          </a:p>
-          <a:p>
-            <a:r>
-              <a:rPr lang="en-US" dirty="0" smtClean="0"/>
-              <a:t>从超大数据的查询效率来看：</a:t>
-            </a:r>
-          </a:p>
-          <a:p>
-            <a:pPr marL="0" indent="0">
-              <a:buNone/>
-            </a:pPr>
-            <a:r>
-              <a:rPr lang="en-US" dirty="0" smtClean="0"/>
-              <a:t>Druid&gt;</a:t>
-            </a:r>
-            <a:r>
-              <a:rPr lang="en-US" dirty="0" err="1" smtClean="0"/>
-              <a:t>kylin</a:t>
-            </a:r>
-            <a:r>
-              <a:rPr lang="en-US" dirty="0" smtClean="0"/>
-              <a:t>&gt;presto</a:t>
-            </a:r>
-            <a:r>
-              <a:rPr lang="en-US" dirty="0" smtClean="0"/>
-              <a:t>&gt;impala</a:t>
-            </a:r>
-            <a:r>
-              <a:rPr lang="en-US" dirty="0" smtClean="0"/>
-              <a:t>&gt;spark </a:t>
-            </a:r>
-            <a:r>
-              <a:rPr lang="en-US" dirty="0" err="1" smtClean="0"/>
-              <a:t>sql</a:t>
-            </a:r>
-            <a:endParaRPr lang="en-US" dirty="0" smtClean="0"/>
-          </a:p>
-          <a:p>
-            <a:endParaRPr lang="en-US" dirty="0" smtClean="0"/>
-          </a:p>
-          <a:p>
-            <a:r>
-              <a:rPr lang="en-US" dirty="0" err="1" smtClean="0"/>
-              <a:t>从支持的数据源种类来讲</a:t>
-            </a:r>
-            <a:r>
-              <a:rPr lang="en-US" dirty="0" smtClean="0"/>
-              <a:t>：</a:t>
-            </a:r>
-          </a:p>
-          <a:p>
-            <a:pPr marL="0" indent="0">
-              <a:buNone/>
-            </a:pPr>
-            <a:r>
-              <a:rPr lang="en-US" dirty="0" smtClean="0"/>
-              <a:t>presto&gt;spark </a:t>
-            </a:r>
-            <a:r>
-              <a:rPr lang="en-US" dirty="0" err="1" smtClean="0"/>
-              <a:t>sql</a:t>
-            </a:r>
-            <a:r>
-              <a:rPr lang="en-US" dirty="0" smtClean="0"/>
-              <a:t>&gt;impala&gt;</a:t>
-            </a:r>
-            <a:r>
-              <a:rPr lang="en-US" dirty="0" err="1" smtClean="0"/>
-              <a:t>kylin</a:t>
-            </a:r>
-            <a:r>
-              <a:rPr lang="en-US" dirty="0" smtClean="0"/>
-              <a:t>&gt;Druid</a:t>
-            </a:r>
-            <a:endParaRPr lang="zh-CN" altLang="en-US" dirty="0"/>
-          </a:p>
-        </p:txBody>
-      </p:sp>
-    </p:spTree>
-    <p:extLst>
-      <p:ext uri="{BB962C8B-B14F-4D97-AF65-F5344CB8AC3E}">
-        <p14:creationId xmlns:p14="http://schemas.microsoft.com/office/powerpoint/2010/main" val="1790887486"/>
-      </p:ext>
-    </p:extLst>
-  </p:cSld>
-  <p:clrMapOvr>
-    <a:masterClrMapping/>
-  </p:clrMapOvr>
-  <p:timing>
-    <p:tnLst>
-      <p:par>
-        <p:cTn id="1" dur="indefinite" restart="never" nodeType="tmRoot"/>
-      </p:par>
-    </p:tnLst>
-  </p:timing>
-</p:sld>
-</file>
-
-<file path=ppt/slides/slide13.xml><?xml version="1.0" encoding="utf-8"?>
-<p:sld xmlns:a="http://schemas.openxmlformats.org/drawingml/2006/main" xmlns:r="http://schemas.openxmlformats.org/officeDocument/2006/relationships" xmlns:p="http://schemas.openxmlformats.org/presentationml/2006/main">
-  <p:cSld>
-    <p:spTree>
-      <p:nvGrpSpPr>
-        <p:cNvPr id="1" name=""/>
-        <p:cNvGrpSpPr/>
-        <p:nvPr/>
-      </p:nvGrpSpPr>
-      <p:grpSpPr>
-        <a:xfrm>
-          <a:off x="0" y="0"/>
-          <a:ext cx="0" cy="0"/>
-          <a:chOff x="0" y="0"/>
-          <a:chExt cx="0" cy="0"/>
-        </a:xfrm>
-      </p:grpSpPr>
-      <p:sp>
-        <p:nvSpPr>
-          <p:cNvPr id="2" name="标题 1"/>
-          <p:cNvSpPr>
-            <a:spLocks noGrp="1"/>
-          </p:cNvSpPr>
-          <p:nvPr>
-            <p:ph type="title"/>
-          </p:nvPr>
-        </p:nvSpPr>
-        <p:spPr/>
-        <p:txBody>
-          <a:bodyPr/>
-          <a:lstStyle/>
-          <a:p>
-            <a:r>
-              <a:rPr lang="zh-CN" altLang="en-US" dirty="0" smtClean="0"/>
               <a:t>数据集市选型</a:t>
             </a:r>
             <a:endParaRPr lang="zh-CN" altLang="en-US" dirty="0"/>
@@ -11383,121 +10482,6 @@
 </file>
 
 <file path=ppt/slides/slide2.xml><?xml version="1.0" encoding="utf-8"?>
-<p:sld xmlns:a="http://schemas.openxmlformats.org/drawingml/2006/main" xmlns:r="http://schemas.openxmlformats.org/officeDocument/2006/relationships" xmlns:p="http://schemas.openxmlformats.org/presentationml/2006/main">
-  <p:cSld>
-    <p:spTree>
-      <p:nvGrpSpPr>
-        <p:cNvPr id="1" name=""/>
-        <p:cNvGrpSpPr/>
-        <p:nvPr/>
-      </p:nvGrpSpPr>
-      <p:grpSpPr>
-        <a:xfrm>
-          <a:off x="0" y="0"/>
-          <a:ext cx="0" cy="0"/>
-          <a:chOff x="0" y="0"/>
-          <a:chExt cx="0" cy="0"/>
-        </a:xfrm>
-      </p:grpSpPr>
-      <p:sp>
-        <p:nvSpPr>
-          <p:cNvPr id="2" name="标题 1"/>
-          <p:cNvSpPr>
-            <a:spLocks noGrp="1"/>
-          </p:cNvSpPr>
-          <p:nvPr>
-            <p:ph type="title"/>
-          </p:nvPr>
-        </p:nvSpPr>
-        <p:spPr/>
-        <p:txBody>
-          <a:bodyPr/>
-          <a:lstStyle/>
-          <a:p>
-            <a:r>
-              <a:rPr lang="zh-CN" altLang="en-US" dirty="0" smtClean="0"/>
-              <a:t>内容</a:t>
-            </a:r>
-            <a:endParaRPr lang="zh-CN" altLang="en-US" dirty="0"/>
-          </a:p>
-        </p:txBody>
-      </p:sp>
-      <p:sp>
-        <p:nvSpPr>
-          <p:cNvPr id="3" name="内容占位符 2"/>
-          <p:cNvSpPr>
-            <a:spLocks noGrp="1"/>
-          </p:cNvSpPr>
-          <p:nvPr>
-            <p:ph sz="quarter" idx="10"/>
-          </p:nvPr>
-        </p:nvSpPr>
-        <p:spPr/>
-        <p:txBody>
-          <a:bodyPr/>
-          <a:lstStyle/>
-          <a:p>
-            <a:r>
-              <a:rPr lang="zh-CN" altLang="en-US" dirty="0" smtClean="0"/>
-              <a:t>数据挖掘平台总体设计</a:t>
-            </a:r>
-            <a:endParaRPr lang="en-US" altLang="zh-CN" dirty="0" smtClean="0"/>
-          </a:p>
-          <a:p>
-            <a:r>
-              <a:rPr lang="en-US" altLang="zh-CN" dirty="0" smtClean="0"/>
-              <a:t>ETL</a:t>
-            </a:r>
-            <a:r>
-              <a:rPr lang="zh-CN" altLang="en-US" dirty="0" smtClean="0"/>
-              <a:t>设计</a:t>
-            </a:r>
-            <a:endParaRPr lang="en-US" altLang="zh-CN" dirty="0" smtClean="0"/>
-          </a:p>
-          <a:p>
-            <a:r>
-              <a:rPr lang="zh-CN" altLang="en-US" dirty="0" smtClean="0"/>
-              <a:t>数据仓库设计</a:t>
-            </a:r>
-            <a:endParaRPr lang="en-US" altLang="zh-CN" dirty="0" smtClean="0"/>
-          </a:p>
-          <a:p>
-            <a:r>
-              <a:rPr lang="zh-CN" altLang="en-US" dirty="0" smtClean="0"/>
-              <a:t>数据集市设计</a:t>
-            </a:r>
-            <a:endParaRPr lang="en-US" altLang="zh-CN" dirty="0" smtClean="0"/>
-          </a:p>
-          <a:p>
-            <a:r>
-              <a:rPr lang="zh-CN" altLang="en-US" dirty="0" smtClean="0"/>
-              <a:t>技术选型</a:t>
-            </a:r>
-            <a:endParaRPr lang="zh-CN" altLang="en-US" dirty="0"/>
-          </a:p>
-        </p:txBody>
-      </p:sp>
-    </p:spTree>
-    <p:extLst>
-      <p:ext uri="{BB962C8B-B14F-4D97-AF65-F5344CB8AC3E}">
-        <p14:creationId xmlns:p14="http://schemas.microsoft.com/office/powerpoint/2010/main" val="547418806"/>
-      </p:ext>
-    </p:extLst>
-  </p:cSld>
-  <p:clrMapOvr>
-    <a:masterClrMapping/>
-  </p:clrMapOvr>
-  <p:timing>
-    <p:tnLst>
-      <p:par>
-        <p:cTn id="1" dur="indefinite" restart="never" nodeType="tmRoot"/>
-      </p:par>
-    </p:tnLst>
-  </p:timing>
-</p:sld>
-</file>
-
-<file path=ppt/slides/slide3.xml><?xml version="1.0" encoding="utf-8"?>
 <p:sld xmlns:a="http://schemas.openxmlformats.org/drawingml/2006/main" xmlns:r="http://schemas.openxmlformats.org/officeDocument/2006/relationships" xmlns:p="http://schemas.openxmlformats.org/presentationml/2006/main">
   <p:cSld>
     <p:spTree>
@@ -11636,7 +10620,7 @@
 </p:sld>
 </file>
 
-<file path=ppt/slides/slide4.xml><?xml version="1.0" encoding="utf-8"?>
+<file path=ppt/slides/slide3.xml><?xml version="1.0" encoding="utf-8"?>
 <p:sld xmlns:a="http://schemas.openxmlformats.org/drawingml/2006/main" xmlns:r="http://schemas.openxmlformats.org/officeDocument/2006/relationships" xmlns:p="http://schemas.openxmlformats.org/presentationml/2006/main">
   <p:cSld>
     <p:spTree>
@@ -11781,7 +10765,7 @@
 </p:sld>
 </file>
 
-<file path=ppt/slides/slide5.xml><?xml version="1.0" encoding="utf-8"?>
+<file path=ppt/slides/slide4.xml><?xml version="1.0" encoding="utf-8"?>
 <p:sld xmlns:a="http://schemas.openxmlformats.org/drawingml/2006/main" xmlns:r="http://schemas.openxmlformats.org/officeDocument/2006/relationships" xmlns:p="http://schemas.openxmlformats.org/presentationml/2006/main">
   <p:cSld>
     <p:spTree>
@@ -11920,6 +10904,157 @@
 </p:sld>
 </file>
 
+<file path=ppt/slides/slide5.xml><?xml version="1.0" encoding="utf-8"?>
+<p:sld xmlns:a="http://schemas.openxmlformats.org/drawingml/2006/main" xmlns:r="http://schemas.openxmlformats.org/officeDocument/2006/relationships" xmlns:p="http://schemas.openxmlformats.org/presentationml/2006/main">
+  <p:cSld>
+    <p:spTree>
+      <p:nvGrpSpPr>
+        <p:cNvPr id="1" name=""/>
+        <p:cNvGrpSpPr/>
+        <p:nvPr/>
+      </p:nvGrpSpPr>
+      <p:grpSpPr>
+        <a:xfrm>
+          <a:off x="0" y="0"/>
+          <a:ext cx="0" cy="0"/>
+          <a:chOff x="0" y="0"/>
+          <a:chExt cx="0" cy="0"/>
+        </a:xfrm>
+      </p:grpSpPr>
+      <p:sp>
+        <p:nvSpPr>
+          <p:cNvPr id="2" name="标题 1"/>
+          <p:cNvSpPr>
+            <a:spLocks noGrp="1"/>
+          </p:cNvSpPr>
+          <p:nvPr>
+            <p:ph type="title"/>
+          </p:nvPr>
+        </p:nvSpPr>
+        <p:spPr/>
+        <p:txBody>
+          <a:bodyPr/>
+          <a:lstStyle/>
+          <a:p>
+            <a:r>
+              <a:rPr lang="en-US" altLang="zh-CN" dirty="0" smtClean="0"/>
+              <a:t>ETL</a:t>
+            </a:r>
+            <a:r>
+              <a:rPr lang="zh-CN" altLang="en-US" dirty="0" smtClean="0"/>
+              <a:t>工具</a:t>
+            </a:r>
+            <a:endParaRPr lang="zh-CN" altLang="en-US" dirty="0"/>
+          </a:p>
+        </p:txBody>
+      </p:sp>
+      <p:sp>
+        <p:nvSpPr>
+          <p:cNvPr id="3" name="内容占位符 2"/>
+          <p:cNvSpPr>
+            <a:spLocks noGrp="1"/>
+          </p:cNvSpPr>
+          <p:nvPr>
+            <p:ph sz="quarter" idx="10"/>
+          </p:nvPr>
+        </p:nvSpPr>
+        <p:spPr/>
+        <p:txBody>
+          <a:bodyPr/>
+          <a:lstStyle/>
+          <a:p>
+            <a:r>
+              <a:rPr lang="zh-CN" altLang="en-US" dirty="0" smtClean="0"/>
+              <a:t>两个工具：数据随机生成的工具、</a:t>
+            </a:r>
+            <a:r>
+              <a:rPr lang="en-US" altLang="zh-CN" dirty="0" smtClean="0"/>
+              <a:t>ETL</a:t>
+            </a:r>
+            <a:r>
+              <a:rPr lang="zh-CN" altLang="en-US" dirty="0" smtClean="0"/>
+              <a:t>工具</a:t>
+            </a:r>
+            <a:endParaRPr lang="en-US" altLang="zh-CN" dirty="0" smtClean="0"/>
+          </a:p>
+          <a:p>
+            <a:endParaRPr lang="en-US" altLang="zh-CN" dirty="0"/>
+          </a:p>
+          <a:p>
+            <a:r>
+              <a:rPr lang="zh-CN" altLang="en-US" dirty="0" smtClean="0"/>
+              <a:t>数据随机生成工具作用：验证方案、性能、调试。</a:t>
+            </a:r>
+            <a:endParaRPr lang="en-US" altLang="zh-CN" dirty="0" smtClean="0"/>
+          </a:p>
+          <a:p>
+            <a:endParaRPr lang="en-US" altLang="zh-CN" dirty="0"/>
+          </a:p>
+          <a:p>
+            <a:r>
+              <a:rPr lang="en-US" altLang="zh-CN" dirty="0" smtClean="0"/>
+              <a:t>ETL</a:t>
+            </a:r>
+            <a:r>
+              <a:rPr lang="zh-CN" altLang="en-US" dirty="0" smtClean="0"/>
+              <a:t>工具作用：重庆警院数据到数据仓库</a:t>
+            </a:r>
+            <a:endParaRPr lang="en-US" altLang="zh-CN" dirty="0" smtClean="0"/>
+          </a:p>
+          <a:p>
+            <a:pPr lvl="1"/>
+            <a:r>
+              <a:rPr lang="zh-CN" altLang="en-US" dirty="0" smtClean="0"/>
+              <a:t>选型：公司内部</a:t>
+            </a:r>
+            <a:r>
+              <a:rPr lang="en-US" altLang="zh-CN" dirty="0" smtClean="0"/>
+              <a:t>ETL</a:t>
+            </a:r>
+            <a:r>
+              <a:rPr lang="zh-CN" altLang="en-US" dirty="0" smtClean="0"/>
+              <a:t>工具、</a:t>
+            </a:r>
+            <a:r>
+              <a:rPr lang="en-US" altLang="zh-CN" dirty="0" err="1" smtClean="0"/>
+              <a:t>sqoop</a:t>
+            </a:r>
+            <a:r>
+              <a:rPr lang="zh-CN" altLang="en-US" dirty="0" smtClean="0"/>
+              <a:t>、</a:t>
+            </a:r>
+            <a:r>
+              <a:rPr lang="en-US" altLang="zh-CN" dirty="0" smtClean="0"/>
+              <a:t>spark streaming</a:t>
+            </a:r>
+            <a:r>
+              <a:rPr lang="zh-CN" altLang="en-US" dirty="0" smtClean="0"/>
+              <a:t>。</a:t>
+            </a:r>
+            <a:endParaRPr lang="zh-CN" altLang="en-US" dirty="0"/>
+          </a:p>
+        </p:txBody>
+      </p:sp>
+    </p:spTree>
+    <p:extLst>
+      <p:ext uri="{BB962C8B-B14F-4D97-AF65-F5344CB8AC3E}">
+        <p14:creationId xmlns:p14="http://schemas.microsoft.com/office/powerpoint/2010/main" val="3208626386"/>
+      </p:ext>
+    </p:extLst>
+  </p:cSld>
+  <p:clrMapOvr>
+    <a:masterClrMapping/>
+  </p:clrMapOvr>
+  <p:timing>
+    <p:tnLst>
+      <p:par>
+        <p:cTn id="1" dur="indefinite" restart="never" nodeType="tmRoot"/>
+      </p:par>
+    </p:tnLst>
+  </p:timing>
+</p:sld>
+</file>
+
 <file path=ppt/slides/slide6.xml><?xml version="1.0" encoding="utf-8"?>
 <p:sld xmlns:a="http://schemas.openxmlformats.org/drawingml/2006/main" xmlns:r="http://schemas.openxmlformats.org/officeDocument/2006/relationships" xmlns:p="http://schemas.openxmlformats.org/presentationml/2006/main">
   <p:cSld>
@@ -11953,157 +11088,6 @@
           <a:lstStyle/>
           <a:p>
             <a:r>
-              <a:rPr lang="en-US" altLang="zh-CN" dirty="0" smtClean="0"/>
-              <a:t>ETL</a:t>
-            </a:r>
-            <a:r>
-              <a:rPr lang="zh-CN" altLang="en-US" dirty="0" smtClean="0"/>
-              <a:t>工具</a:t>
-            </a:r>
-            <a:endParaRPr lang="zh-CN" altLang="en-US" dirty="0"/>
-          </a:p>
-        </p:txBody>
-      </p:sp>
-      <p:sp>
-        <p:nvSpPr>
-          <p:cNvPr id="3" name="内容占位符 2"/>
-          <p:cNvSpPr>
-            <a:spLocks noGrp="1"/>
-          </p:cNvSpPr>
-          <p:nvPr>
-            <p:ph sz="quarter" idx="10"/>
-          </p:nvPr>
-        </p:nvSpPr>
-        <p:spPr/>
-        <p:txBody>
-          <a:bodyPr/>
-          <a:lstStyle/>
-          <a:p>
-            <a:r>
-              <a:rPr lang="zh-CN" altLang="en-US" dirty="0" smtClean="0"/>
-              <a:t>两个工具：数据随机生成的工具、</a:t>
-            </a:r>
-            <a:r>
-              <a:rPr lang="en-US" altLang="zh-CN" dirty="0" smtClean="0"/>
-              <a:t>ETL</a:t>
-            </a:r>
-            <a:r>
-              <a:rPr lang="zh-CN" altLang="en-US" dirty="0" smtClean="0"/>
-              <a:t>工具</a:t>
-            </a:r>
-            <a:endParaRPr lang="en-US" altLang="zh-CN" dirty="0" smtClean="0"/>
-          </a:p>
-          <a:p>
-            <a:endParaRPr lang="en-US" altLang="zh-CN" dirty="0"/>
-          </a:p>
-          <a:p>
-            <a:r>
-              <a:rPr lang="zh-CN" altLang="en-US" dirty="0" smtClean="0"/>
-              <a:t>数据随机生成工具作用：验证方案、性能、调试。</a:t>
-            </a:r>
-            <a:endParaRPr lang="en-US" altLang="zh-CN" dirty="0" smtClean="0"/>
-          </a:p>
-          <a:p>
-            <a:endParaRPr lang="en-US" altLang="zh-CN" dirty="0"/>
-          </a:p>
-          <a:p>
-            <a:r>
-              <a:rPr lang="en-US" altLang="zh-CN" dirty="0" smtClean="0"/>
-              <a:t>ETL</a:t>
-            </a:r>
-            <a:r>
-              <a:rPr lang="zh-CN" altLang="en-US" dirty="0" smtClean="0"/>
-              <a:t>工具作用：重庆警院数据到数据仓库</a:t>
-            </a:r>
-            <a:endParaRPr lang="en-US" altLang="zh-CN" dirty="0" smtClean="0"/>
-          </a:p>
-          <a:p>
-            <a:pPr lvl="1"/>
-            <a:r>
-              <a:rPr lang="zh-CN" altLang="en-US" dirty="0" smtClean="0"/>
-              <a:t>选型：公司内部</a:t>
-            </a:r>
-            <a:r>
-              <a:rPr lang="en-US" altLang="zh-CN" dirty="0" smtClean="0"/>
-              <a:t>ETL</a:t>
-            </a:r>
-            <a:r>
-              <a:rPr lang="zh-CN" altLang="en-US" dirty="0" smtClean="0"/>
-              <a:t>工具、</a:t>
-            </a:r>
-            <a:r>
-              <a:rPr lang="en-US" altLang="zh-CN" dirty="0" err="1" smtClean="0"/>
-              <a:t>sqoop</a:t>
-            </a:r>
-            <a:r>
-              <a:rPr lang="zh-CN" altLang="en-US" dirty="0" smtClean="0"/>
-              <a:t>、</a:t>
-            </a:r>
-            <a:r>
-              <a:rPr lang="en-US" altLang="zh-CN" dirty="0" smtClean="0"/>
-              <a:t>spark streaming</a:t>
-            </a:r>
-            <a:r>
-              <a:rPr lang="zh-CN" altLang="en-US" dirty="0" smtClean="0"/>
-              <a:t>。</a:t>
-            </a:r>
-            <a:endParaRPr lang="zh-CN" altLang="en-US" dirty="0"/>
-          </a:p>
-        </p:txBody>
-      </p:sp>
-    </p:spTree>
-    <p:extLst>
-      <p:ext uri="{BB962C8B-B14F-4D97-AF65-F5344CB8AC3E}">
-        <p14:creationId xmlns:p14="http://schemas.microsoft.com/office/powerpoint/2010/main" val="3208626386"/>
-      </p:ext>
-    </p:extLst>
-  </p:cSld>
-  <p:clrMapOvr>
-    <a:masterClrMapping/>
-  </p:clrMapOvr>
-  <p:timing>
-    <p:tnLst>
-      <p:par>
-        <p:cTn id="1" dur="indefinite" restart="never" nodeType="tmRoot"/>
-      </p:par>
-    </p:tnLst>
-  </p:timing>
-</p:sld>
-</file>
-
-<file path=ppt/slides/slide7.xml><?xml version="1.0" encoding="utf-8"?>
-<p:sld xmlns:a="http://schemas.openxmlformats.org/drawingml/2006/main" xmlns:r="http://schemas.openxmlformats.org/officeDocument/2006/relationships" xmlns:p="http://schemas.openxmlformats.org/presentationml/2006/main">
-  <p:cSld>
-    <p:spTree>
-      <p:nvGrpSpPr>
-        <p:cNvPr id="1" name=""/>
-        <p:cNvGrpSpPr/>
-        <p:nvPr/>
-      </p:nvGrpSpPr>
-      <p:grpSpPr>
-        <a:xfrm>
-          <a:off x="0" y="0"/>
-          <a:ext cx="0" cy="0"/>
-          <a:chOff x="0" y="0"/>
-          <a:chExt cx="0" cy="0"/>
-        </a:xfrm>
-      </p:grpSpPr>
-      <p:sp>
-        <p:nvSpPr>
-          <p:cNvPr id="2" name="标题 1"/>
-          <p:cNvSpPr>
-            <a:spLocks noGrp="1"/>
-          </p:cNvSpPr>
-          <p:nvPr>
-            <p:ph type="title"/>
-          </p:nvPr>
-        </p:nvSpPr>
-        <p:spPr/>
-        <p:txBody>
-          <a:bodyPr/>
-          <a:lstStyle/>
-          <a:p>
-            <a:r>
               <a:rPr lang="zh-CN" altLang="en-US" dirty="0" smtClean="0"/>
               <a:t>数据仓库设计</a:t>
             </a:r>
@@ -12413,7 +11397,7 @@
 </p:sld>
 </file>
 
-<file path=ppt/slides/slide8.xml><?xml version="1.0" encoding="utf-8"?>
+<file path=ppt/slides/slide7.xml><?xml version="1.0" encoding="utf-8"?>
 <p:sld xmlns:a="http://schemas.openxmlformats.org/drawingml/2006/main" xmlns:r="http://schemas.openxmlformats.org/officeDocument/2006/relationships" xmlns:p="http://schemas.openxmlformats.org/presentationml/2006/main">
   <p:cSld>
     <p:spTree>
@@ -12661,7 +11645,7 @@
 </p:sld>
 </file>
 
-<file path=ppt/slides/slide9.xml><?xml version="1.0" encoding="utf-8"?>
+<file path=ppt/slides/slide8.xml><?xml version="1.0" encoding="utf-8"?>
 <p:sld xmlns:a="http://schemas.openxmlformats.org/drawingml/2006/main" xmlns:r="http://schemas.openxmlformats.org/officeDocument/2006/relationships" xmlns:p="http://schemas.openxmlformats.org/presentationml/2006/main">
   <p:cSld>
     <p:spTree>
@@ -12779,11 +11763,7 @@
             </a:r>
             <a:r>
               <a:rPr lang="en-US" altLang="zh-CN" dirty="0" smtClean="0"/>
-              <a:t>Hbase</a:t>
-            </a:r>
-            <a:r>
-              <a:rPr lang="en-US" altLang="zh-CN" dirty="0" smtClean="0"/>
-              <a:t>)</a:t>
+              <a:t>Hbase)</a:t>
             </a:r>
             <a:r>
               <a:rPr lang="zh-CN" altLang="en-US" dirty="0" smtClean="0"/>
@@ -12925,6 +11905,298 @@
     <p:extLst>
       <p:ext uri="{BB962C8B-B14F-4D97-AF65-F5344CB8AC3E}">
         <p14:creationId xmlns:p14="http://schemas.microsoft.com/office/powerpoint/2010/main" val="3577137908"/>
+      </p:ext>
+    </p:extLst>
+  </p:cSld>
+  <p:clrMapOvr>
+    <a:masterClrMapping/>
+  </p:clrMapOvr>
+  <p:timing>
+    <p:tnLst>
+      <p:par>
+        <p:cTn id="1" dur="indefinite" restart="never" nodeType="tmRoot"/>
+      </p:par>
+    </p:tnLst>
+  </p:timing>
+</p:sld>
+</file>
+
+<file path=ppt/slides/slide9.xml><?xml version="1.0" encoding="utf-8"?>
+<p:sld xmlns:a="http://schemas.openxmlformats.org/drawingml/2006/main" xmlns:r="http://schemas.openxmlformats.org/officeDocument/2006/relationships" xmlns:p="http://schemas.openxmlformats.org/presentationml/2006/main">
+  <p:cSld>
+    <p:spTree>
+      <p:nvGrpSpPr>
+        <p:cNvPr id="1" name=""/>
+        <p:cNvGrpSpPr/>
+        <p:nvPr/>
+      </p:nvGrpSpPr>
+      <p:grpSpPr>
+        <a:xfrm>
+          <a:off x="0" y="0"/>
+          <a:ext cx="0" cy="0"/>
+          <a:chOff x="0" y="0"/>
+          <a:chExt cx="0" cy="0"/>
+        </a:xfrm>
+      </p:grpSpPr>
+      <p:sp>
+        <p:nvSpPr>
+          <p:cNvPr id="2" name="标题 1"/>
+          <p:cNvSpPr>
+            <a:spLocks noGrp="1"/>
+          </p:cNvSpPr>
+          <p:nvPr>
+            <p:ph type="title"/>
+          </p:nvPr>
+        </p:nvSpPr>
+        <p:spPr/>
+        <p:txBody>
+          <a:bodyPr/>
+          <a:lstStyle/>
+          <a:p>
+            <a:r>
+              <a:rPr lang="zh-CN" altLang="en-US" dirty="0" smtClean="0"/>
+              <a:t>数据仓库设计</a:t>
+            </a:r>
+            <a:r>
+              <a:rPr lang="en-US" altLang="zh-CN" dirty="0" smtClean="0"/>
+              <a:t>-SQL</a:t>
+            </a:r>
+            <a:r>
+              <a:rPr lang="zh-CN" altLang="en-US" dirty="0" smtClean="0"/>
+              <a:t>引擎</a:t>
+            </a:r>
+            <a:endParaRPr lang="zh-CN" altLang="en-US" dirty="0"/>
+          </a:p>
+        </p:txBody>
+      </p:sp>
+      <p:sp>
+        <p:nvSpPr>
+          <p:cNvPr id="3" name="内容占位符 2"/>
+          <p:cNvSpPr>
+            <a:spLocks noGrp="1"/>
+          </p:cNvSpPr>
+          <p:nvPr>
+            <p:ph sz="quarter" idx="10"/>
+          </p:nvPr>
+        </p:nvSpPr>
+        <p:spPr/>
+        <p:txBody>
+          <a:bodyPr/>
+          <a:lstStyle/>
+          <a:p>
+            <a:pPr lvl="1"/>
+            <a:r>
+              <a:rPr lang="en-US" altLang="zh-CN" dirty="0" smtClean="0">
+                <a:solidFill>
+                  <a:srgbClr val="FF0000"/>
+                </a:solidFill>
+              </a:rPr>
+              <a:t>Spark</a:t>
+            </a:r>
+            <a:r>
+              <a:rPr lang="zh-CN" altLang="en-US" dirty="0" smtClean="0">
+                <a:solidFill>
+                  <a:srgbClr val="FF0000"/>
+                </a:solidFill>
+              </a:rPr>
+              <a:t> </a:t>
+            </a:r>
+            <a:r>
+              <a:rPr lang="en-US" altLang="zh-CN" dirty="0" smtClean="0">
+                <a:solidFill>
+                  <a:srgbClr val="FF0000"/>
+                </a:solidFill>
+              </a:rPr>
+              <a:t>SQL</a:t>
+            </a:r>
+            <a:r>
+              <a:rPr lang="zh-CN" altLang="en-US" dirty="0" smtClean="0">
+                <a:solidFill>
+                  <a:srgbClr val="FF0000"/>
+                </a:solidFill>
+              </a:rPr>
+              <a:t>：</a:t>
+            </a:r>
+            <a:endParaRPr lang="en-US" altLang="zh-CN" dirty="0" smtClean="0">
+              <a:solidFill>
+                <a:srgbClr val="FF0000"/>
+              </a:solidFill>
+            </a:endParaRPr>
+          </a:p>
+          <a:p>
+            <a:pPr lvl="2"/>
+            <a:r>
+              <a:rPr lang="zh-CN" altLang="en-US" dirty="0" smtClean="0"/>
+              <a:t>通用框架，社区成熟。</a:t>
+            </a:r>
+            <a:endParaRPr lang="en-US" altLang="zh-CN" dirty="0" smtClean="0"/>
+          </a:p>
+          <a:p>
+            <a:pPr lvl="2"/>
+            <a:r>
+              <a:rPr lang="zh-CN" altLang="en-US" dirty="0" smtClean="0"/>
+              <a:t>版本升级频繁，</a:t>
+            </a:r>
+            <a:r>
+              <a:rPr lang="en-US" altLang="zh-CN" dirty="0" smtClean="0"/>
+              <a:t>api</a:t>
+            </a:r>
+            <a:r>
+              <a:rPr lang="zh-CN" altLang="en-US" dirty="0" smtClean="0"/>
+              <a:t>变化很大。</a:t>
+            </a:r>
+            <a:endParaRPr lang="en-US" altLang="zh-CN" dirty="0" smtClean="0"/>
+          </a:p>
+          <a:p>
+            <a:pPr lvl="2"/>
+            <a:r>
+              <a:rPr lang="zh-CN" altLang="en-US" dirty="0" smtClean="0"/>
+              <a:t>解决的问题是分布式</a:t>
+            </a:r>
+            <a:r>
+              <a:rPr lang="en-US" altLang="zh-CN" dirty="0" smtClean="0"/>
+              <a:t>SQL</a:t>
+            </a:r>
+            <a:r>
+              <a:rPr lang="zh-CN" altLang="en-US" dirty="0" smtClean="0"/>
+              <a:t>查询，但是没有解决数据加载问题，所以性能一般，但是</a:t>
+            </a:r>
+            <a:r>
+              <a:rPr lang="en-US" altLang="zh-CN" dirty="0" smtClean="0"/>
+              <a:t>Spark2.1.0</a:t>
+            </a:r>
+            <a:r>
+              <a:rPr lang="zh-CN" altLang="en-US" dirty="0" smtClean="0"/>
+              <a:t>版本性能有所提升，需要考虑。</a:t>
+            </a:r>
+            <a:endParaRPr lang="en-US" altLang="zh-CN" dirty="0" smtClean="0"/>
+          </a:p>
+          <a:p>
+            <a:pPr lvl="2"/>
+            <a:r>
+              <a:rPr lang="en-US" altLang="zh-CN" dirty="0" smtClean="0"/>
+              <a:t>2.1.0</a:t>
+            </a:r>
+            <a:r>
+              <a:rPr lang="zh-CN" altLang="en-US" dirty="0" smtClean="0"/>
+              <a:t>容错性有待检验，</a:t>
+            </a:r>
+            <a:r>
+              <a:rPr lang="en-US" altLang="zh-CN" dirty="0" smtClean="0"/>
+              <a:t>benchmark</a:t>
+            </a:r>
+            <a:r>
+              <a:rPr lang="zh-CN" altLang="en-US" dirty="0" smtClean="0"/>
+              <a:t>过程中个别</a:t>
+            </a:r>
+            <a:r>
+              <a:rPr lang="en-US" altLang="zh-CN" dirty="0" smtClean="0"/>
+              <a:t>task</a:t>
+            </a:r>
+            <a:r>
+              <a:rPr lang="zh-CN" altLang="en-US" dirty="0" smtClean="0"/>
+              <a:t>失败，整个</a:t>
+            </a:r>
+            <a:r>
+              <a:rPr lang="en-US" altLang="zh-CN" dirty="0" smtClean="0"/>
+              <a:t>job</a:t>
+            </a:r>
+            <a:r>
+              <a:rPr lang="zh-CN" altLang="en-US" dirty="0" smtClean="0"/>
+              <a:t>会</a:t>
+            </a:r>
+            <a:r>
+              <a:rPr lang="en-US" altLang="zh-CN" dirty="0" smtClean="0"/>
+              <a:t>hang</a:t>
+            </a:r>
+            <a:r>
+              <a:rPr lang="zh-CN" altLang="en-US" dirty="0" smtClean="0"/>
+              <a:t>住，待分析。</a:t>
+            </a:r>
+            <a:endParaRPr lang="en-US" altLang="zh-CN" dirty="0"/>
+          </a:p>
+          <a:p>
+            <a:pPr lvl="2"/>
+            <a:r>
+              <a:rPr lang="en-US" altLang="zh-CN" dirty="0" smtClean="0"/>
+              <a:t>Spark</a:t>
+            </a:r>
+            <a:r>
+              <a:rPr lang="zh-CN" altLang="en-US" dirty="0" smtClean="0"/>
+              <a:t>社区主推。</a:t>
+            </a:r>
+            <a:endParaRPr lang="en-US" altLang="zh-CN" dirty="0"/>
+          </a:p>
+        </p:txBody>
+      </p:sp>
+      <p:pic>
+        <p:nvPicPr>
+          <p:cNvPr id="4098" name="Picture 2"/>
+          <p:cNvPicPr>
+            <a:picLocks noChangeAspect="1" noChangeArrowheads="1"/>
+          </p:cNvPicPr>
+          <p:nvPr/>
+        </p:nvPicPr>
+        <p:blipFill>
+          <a:blip r:embed="rId3">
+            <a:extLst>
+              <a:ext uri="{28A0092B-C50C-407E-A947-70E740481C1C}">
+                <a14:useLocalDpi xmlns:a14="http://schemas.microsoft.com/office/drawing/2010/main" val="0"/>
+              </a:ext>
+            </a:extLst>
+          </a:blip>
+          <a:srcRect/>
+          <a:stretch>
+            <a:fillRect/>
+          </a:stretch>
+        </p:blipFill>
+        <p:spPr bwMode="auto">
+          <a:xfrm>
+            <a:off x="69261" y="4363821"/>
+            <a:ext cx="8926820" cy="2039249"/>
+          </a:xfrm>
+          <a:prstGeom prst="rect">
+            <a:avLst/>
+          </a:prstGeom>
+          <a:noFill/>
+          <a:ln>
+            <a:noFill/>
+          </a:ln>
+          <a:effectLst/>
+          <a:extLst>
+            <a:ext uri="{909E8E84-426E-40DD-AFC4-6F175D3DCCD1}">
+              <a14:hiddenFill xmlns:a14="http://schemas.microsoft.com/office/drawing/2010/main">
+                <a:solidFill>
+                  <a:schemeClr val="accent1"/>
+                </a:solidFill>
+              </a14:hiddenFill>
+            </a:ext>
+            <a:ext uri="{91240B29-F687-4F45-9708-019B960494DF}">
+              <a14:hiddenLine xmlns:a14="http://schemas.microsoft.com/office/drawing/2010/main" w="9525">
+                <a:solidFill>
+                  <a:schemeClr val="tx1"/>
+                </a:solidFill>
+                <a:miter lim="800000"/>
+                <a:headEnd/>
+                <a:tailEnd/>
+              </a14:hiddenLine>
+            </a:ext>
+            <a:ext uri="{AF507438-7753-43E0-B8FC-AC1667EBCBE1}">
+              <a14:hiddenEffects xmlns:a14="http://schemas.microsoft.com/office/drawing/2010/main">
+                <a:effectLst>
+                  <a:outerShdw dist="35921" dir="2700000" algn="ctr" rotWithShape="0">
+                    <a:schemeClr val="bg2"/>
+                  </a:outerShdw>
+                </a:effectLst>
+              </a14:hiddenEffects>
+            </a:ext>
+          </a:extLst>
+        </p:spPr>
+      </p:pic>
+    </p:spTree>
+    <p:extLst>
+      <p:ext uri="{BB962C8B-B14F-4D97-AF65-F5344CB8AC3E}">
+        <p14:creationId xmlns:p14="http://schemas.microsoft.com/office/powerpoint/2010/main" val="4240798596"/>
       </p:ext>
     </p:extLst>
   </p:cSld>
@@ -14128,7 +13400,7 @@
   <a:extraClrSchemeLst/>
   <a:extLst>
     <a:ext uri="{05A4C25C-085E-4340-85A3-A5531E510DB2}">
-      <thm15:themeFamily xmlns:thm15="http://schemas.microsoft.com/office/thememl/2012/main" xmlns="" name="Office Theme" id="{62F939B6-93AF-4DB8-9C6B-D6C7DFDC589F}" vid="{4A3C46E8-61CC-4603-A589-7422A47A8E4A}"/>
+      <thm15:themeFamily xmlns="" xmlns:thm15="http://schemas.microsoft.com/office/thememl/2012/main" name="Office Theme" id="{62F939B6-93AF-4DB8-9C6B-D6C7DFDC589F}" vid="{4A3C46E8-61CC-4603-A589-7422A47A8E4A}"/>
     </a:ext>
   </a:extLst>
 </a:theme>
@@ -14476,7 +13748,7 @@
   <a:extraClrSchemeLst/>
   <a:extLst>
     <a:ext uri="{05A4C25C-085E-4340-85A3-A5531E510DB2}">
-      <thm15:themeFamily xmlns:thm15="http://schemas.microsoft.com/office/thememl/2012/main" xmlns="" name="Office Theme" id="{62F939B6-93AF-4DB8-9C6B-D6C7DFDC589F}" vid="{4A3C46E8-61CC-4603-A589-7422A47A8E4A}"/>
+      <thm15:themeFamily xmlns="" xmlns:thm15="http://schemas.microsoft.com/office/thememl/2012/main" name="Office Theme" id="{62F939B6-93AF-4DB8-9C6B-D6C7DFDC589F}" vid="{4A3C46E8-61CC-4603-A589-7422A47A8E4A}"/>
     </a:ext>
   </a:extLst>
 </a:theme>
@@ -14824,7 +14096,7 @@
   <a:extraClrSchemeLst/>
   <a:extLst>
     <a:ext uri="{05A4C25C-085E-4340-85A3-A5531E510DB2}">
-      <thm15:themeFamily xmlns:thm15="http://schemas.microsoft.com/office/thememl/2012/main" xmlns="" name="Office Theme" id="{62F939B6-93AF-4DB8-9C6B-D6C7DFDC589F}" vid="{4A3C46E8-61CC-4603-A589-7422A47A8E4A}"/>
+      <thm15:themeFamily xmlns="" xmlns:thm15="http://schemas.microsoft.com/office/thememl/2012/main" name="Office Theme" id="{62F939B6-93AF-4DB8-9C6B-D6C7DFDC589F}" vid="{4A3C46E8-61CC-4603-A589-7422A47A8E4A}"/>
     </a:ext>
   </a:extLst>
 </a:theme>
@@ -15085,7 +14357,7 @@
   <a:extraClrSchemeLst/>
   <a:extLst>
     <a:ext uri="{05A4C25C-085E-4340-85A3-A5531E510DB2}">
-      <thm15:themeFamily xmlns:thm15="http://schemas.microsoft.com/office/thememl/2012/main" xmlns="" name="Office Theme" id="{62F939B6-93AF-4DB8-9C6B-D6C7DFDC589F}" vid="{4A3C46E8-61CC-4603-A589-7422A47A8E4A}"/>
+      <thm15:themeFamily xmlns="" xmlns:thm15="http://schemas.microsoft.com/office/thememl/2012/main" name="Office Theme" id="{62F939B6-93AF-4DB8-9C6B-D6C7DFDC589F}" vid="{4A3C46E8-61CC-4603-A589-7422A47A8E4A}"/>
     </a:ext>
   </a:extLst>
 </a:theme>
